--- a/我心屬於你.pptx
+++ b/我心屬於你.pptx
@@ -5,9 +5,13 @@
     <p:sldMasterId id="2147483660" r:id="rId1"/>
   </p:sldMasterIdLst>
   <p:sldIdLst>
-    <p:sldId id="257" r:id="rId2"/>
-    <p:sldId id="258" r:id="rId3"/>
-    <p:sldId id="259" r:id="rId4"/>
+    <p:sldId id="260" r:id="rId2"/>
+    <p:sldId id="261" r:id="rId3"/>
+    <p:sldId id="262" r:id="rId4"/>
+    <p:sldId id="263" r:id="rId5"/>
+    <p:sldId id="264" r:id="rId6"/>
+    <p:sldId id="265" r:id="rId7"/>
+    <p:sldId id="266" r:id="rId8"/>
   </p:sldIdLst>
   <p:sldSz cx="12192000" cy="6858000"/>
   <p:notesSz cx="6858000" cy="9144000"/>
@@ -106,6 +110,11 @@
       </a:defRPr>
     </a:lvl9pPr>
   </p:defaultTextStyle>
+  <p:extLst>
+    <p:ext uri="{EFAFB233-063F-42B5-8137-9DF3F51BA10A}">
+      <p15:sldGuideLst xmlns:p15="http://schemas.microsoft.com/office/powerpoint/2012/main"/>
+    </p:ext>
+  </p:extLst>
 </p:presentation>
 </file>
 
@@ -290,7 +299,7 @@
           <a:p>
             <a:fld id="{19857568-86E9-46C2-8263-598A83485148}" type="datetimeFigureOut">
               <a:rPr lang="vi-VN" smtClean="0"/>
-              <a:t>04/09/2020</a:t>
+              <a:t>15/10/2021</a:t>
             </a:fld>
             <a:endParaRPr lang="vi-VN"/>
           </a:p>
@@ -460,7 +469,7 @@
           <a:p>
             <a:fld id="{19857568-86E9-46C2-8263-598A83485148}" type="datetimeFigureOut">
               <a:rPr lang="vi-VN" smtClean="0"/>
-              <a:t>04/09/2020</a:t>
+              <a:t>15/10/2021</a:t>
             </a:fld>
             <a:endParaRPr lang="vi-VN"/>
           </a:p>
@@ -640,7 +649,7 @@
           <a:p>
             <a:fld id="{19857568-86E9-46C2-8263-598A83485148}" type="datetimeFigureOut">
               <a:rPr lang="vi-VN" smtClean="0"/>
-              <a:t>04/09/2020</a:t>
+              <a:t>15/10/2021</a:t>
             </a:fld>
             <a:endParaRPr lang="vi-VN"/>
           </a:p>
@@ -810,7 +819,7 @@
           <a:p>
             <a:fld id="{19857568-86E9-46C2-8263-598A83485148}" type="datetimeFigureOut">
               <a:rPr lang="vi-VN" smtClean="0"/>
-              <a:t>04/09/2020</a:t>
+              <a:t>15/10/2021</a:t>
             </a:fld>
             <a:endParaRPr lang="vi-VN"/>
           </a:p>
@@ -1056,7 +1065,7 @@
           <a:p>
             <a:fld id="{19857568-86E9-46C2-8263-598A83485148}" type="datetimeFigureOut">
               <a:rPr lang="vi-VN" smtClean="0"/>
-              <a:t>04/09/2020</a:t>
+              <a:t>15/10/2021</a:t>
             </a:fld>
             <a:endParaRPr lang="vi-VN"/>
           </a:p>
@@ -1344,7 +1353,7 @@
           <a:p>
             <a:fld id="{19857568-86E9-46C2-8263-598A83485148}" type="datetimeFigureOut">
               <a:rPr lang="vi-VN" smtClean="0"/>
-              <a:t>04/09/2020</a:t>
+              <a:t>15/10/2021</a:t>
             </a:fld>
             <a:endParaRPr lang="vi-VN"/>
           </a:p>
@@ -1766,7 +1775,7 @@
           <a:p>
             <a:fld id="{19857568-86E9-46C2-8263-598A83485148}" type="datetimeFigureOut">
               <a:rPr lang="vi-VN" smtClean="0"/>
-              <a:t>04/09/2020</a:t>
+              <a:t>15/10/2021</a:t>
             </a:fld>
             <a:endParaRPr lang="vi-VN"/>
           </a:p>
@@ -1884,7 +1893,7 @@
           <a:p>
             <a:fld id="{19857568-86E9-46C2-8263-598A83485148}" type="datetimeFigureOut">
               <a:rPr lang="vi-VN" smtClean="0"/>
-              <a:t>04/09/2020</a:t>
+              <a:t>15/10/2021</a:t>
             </a:fld>
             <a:endParaRPr lang="vi-VN"/>
           </a:p>
@@ -1979,7 +1988,7 @@
           <a:p>
             <a:fld id="{19857568-86E9-46C2-8263-598A83485148}" type="datetimeFigureOut">
               <a:rPr lang="vi-VN" smtClean="0"/>
-              <a:t>04/09/2020</a:t>
+              <a:t>15/10/2021</a:t>
             </a:fld>
             <a:endParaRPr lang="vi-VN"/>
           </a:p>
@@ -2256,7 +2265,7 @@
           <a:p>
             <a:fld id="{19857568-86E9-46C2-8263-598A83485148}" type="datetimeFigureOut">
               <a:rPr lang="vi-VN" smtClean="0"/>
-              <a:t>04/09/2020</a:t>
+              <a:t>15/10/2021</a:t>
             </a:fld>
             <a:endParaRPr lang="vi-VN"/>
           </a:p>
@@ -2513,7 +2522,7 @@
           <a:p>
             <a:fld id="{19857568-86E9-46C2-8263-598A83485148}" type="datetimeFigureOut">
               <a:rPr lang="vi-VN" smtClean="0"/>
-              <a:t>04/09/2020</a:t>
+              <a:t>15/10/2021</a:t>
             </a:fld>
             <a:endParaRPr lang="vi-VN"/>
           </a:p>
@@ -2731,7 +2740,7 @@
           <a:p>
             <a:fld id="{19857568-86E9-46C2-8263-598A83485148}" type="datetimeFigureOut">
               <a:rPr lang="vi-VN" smtClean="0"/>
-              <a:t>04/09/2020</a:t>
+              <a:t>15/10/2021</a:t>
             </a:fld>
             <a:endParaRPr lang="vi-VN"/>
           </a:p>
@@ -3108,7 +3117,7 @@
       </p:grpSpPr>
       <p:sp>
         <p:nvSpPr>
-          <p:cNvPr id="2" name="Title 1"/>
+          <p:cNvPr id="4" name="標題 3"/>
           <p:cNvSpPr>
             <a:spLocks noGrp="1"/>
           </p:cNvSpPr>
@@ -3116,313 +3125,65 @@
             <p:ph type="title"/>
           </p:nvPr>
         </p:nvSpPr>
-        <p:spPr/>
+        <p:spPr>
+          <a:xfrm>
+            <a:off x="0" y="2660915"/>
+            <a:ext cx="12192000" cy="1143000"/>
+          </a:xfrm>
+        </p:spPr>
         <p:txBody>
           <a:bodyPr>
-            <a:normAutofit/>
+            <a:noAutofit/>
           </a:bodyPr>
           <a:lstStyle/>
           <a:p>
             <a:r>
-              <a:rPr lang="zh-CN" altLang="en-US" sz="4800" b="1" dirty="0">
+              <a:rPr lang="zh-CN" altLang="en-US" sz="7200" b="1" i="1" dirty="0">
                 <a:solidFill>
                   <a:srgbClr val="000066"/>
                 </a:solidFill>
-                <a:latin typeface="Microsoft JhengHei" panose="020B0604030504040204" pitchFamily="34" charset="-120"/>
-                <a:ea typeface="Microsoft JhengHei" panose="020B0604030504040204" pitchFamily="34" charset="-120"/>
+                <a:effectLst>
+                  <a:outerShdw blurRad="38100" dist="38100" dir="2700000" algn="tl">
+                    <a:srgbClr val="000000">
+                      <a:alpha val="43137"/>
+                    </a:srgbClr>
+                  </a:outerShdw>
+                </a:effectLst>
+                <a:latin typeface="微軟正黑體" pitchFamily="34" charset="-120"/>
+                <a:ea typeface="微軟正黑體" pitchFamily="34" charset="-120"/>
               </a:rPr>
-              <a:t>我心屬</a:t>
-            </a:r>
-            <a:r>
-              <a:rPr lang="zh-CN" altLang="en-US" sz="4800" b="1" dirty="0" smtClean="0">
+              <a:t>我</a:t>
+            </a:r>
+            <a:r>
+              <a:rPr lang="zh-CN" altLang="en-US" sz="7200" b="1" i="1" dirty="0">
                 <a:solidFill>
                   <a:srgbClr val="000066"/>
                 </a:solidFill>
-                <a:latin typeface="Microsoft JhengHei" panose="020B0604030504040204" pitchFamily="34" charset="-120"/>
-                <a:ea typeface="Microsoft JhengHei" panose="020B0604030504040204" pitchFamily="34" charset="-120"/>
+                <a:effectLst>
+                  <a:outerShdw blurRad="38100" dist="38100" dir="2700000" algn="tl">
+                    <a:srgbClr val="000000">
+                      <a:alpha val="43137"/>
+                    </a:srgbClr>
+                  </a:outerShdw>
+                </a:effectLst>
+                <a:latin typeface="微軟正黑體" pitchFamily="34" charset="-120"/>
+                <a:ea typeface="微軟正黑體" pitchFamily="34" charset="-120"/>
               </a:rPr>
-              <a:t>於</a:t>
-            </a:r>
-            <a:r>
-              <a:rPr lang="zh-CN" altLang="en-US" sz="4800" b="1" dirty="0">
-                <a:solidFill>
-                  <a:srgbClr val="000066"/>
-                </a:solidFill>
-                <a:latin typeface="Microsoft JhengHei" panose="020B0604030504040204" pitchFamily="34" charset="-120"/>
-                <a:ea typeface="Microsoft JhengHei" panose="020B0604030504040204" pitchFamily="34" charset="-120"/>
-              </a:rPr>
-              <a:t>袮</a:t>
-            </a:r>
-            <a:endParaRPr lang="vi-VN" sz="4800" b="1" dirty="0">
+              <a:t>心屬於袮</a:t>
+            </a:r>
+            <a:endParaRPr lang="zh-TW" altLang="en-US" sz="7200" b="1" i="1" dirty="0">
               <a:solidFill>
                 <a:srgbClr val="000066"/>
               </a:solidFill>
-              <a:ea typeface="Microsoft JhengHei" panose="020B0604030504040204" pitchFamily="34" charset="-120"/>
-            </a:endParaRPr>
-          </a:p>
-        </p:txBody>
-      </p:sp>
-      <p:sp>
-        <p:nvSpPr>
-          <p:cNvPr id="3" name="Content Placeholder 2"/>
-          <p:cNvSpPr>
-            <a:spLocks noGrp="1"/>
-          </p:cNvSpPr>
-          <p:nvPr>
-            <p:ph idx="1"/>
-          </p:nvPr>
-        </p:nvSpPr>
-        <p:spPr/>
-        <p:txBody>
-          <a:bodyPr>
-            <a:normAutofit/>
-          </a:bodyPr>
-          <a:lstStyle/>
-          <a:p>
-            <a:pPr marL="0" indent="0" algn="ctr">
-              <a:buNone/>
-            </a:pPr>
-            <a:r>
-              <a:rPr lang="zh-TW" altLang="en-US" sz="5400" b="1" dirty="0">
-                <a:solidFill>
-                  <a:srgbClr val="000066"/>
-                </a:solidFill>
-                <a:latin typeface="Microsoft JhengHei" panose="020B0604030504040204" pitchFamily="34" charset="-120"/>
-                <a:ea typeface="Microsoft JhengHei" panose="020B0604030504040204" pitchFamily="34" charset="-120"/>
-              </a:rPr>
-              <a:t>我來</a:t>
-            </a:r>
-            <a:r>
-              <a:rPr lang="zh-TW" altLang="en-US" sz="5400" b="1" dirty="0" smtClean="0">
-                <a:solidFill>
-                  <a:srgbClr val="000066"/>
-                </a:solidFill>
-                <a:latin typeface="Microsoft JhengHei" panose="020B0604030504040204" pitchFamily="34" charset="-120"/>
-                <a:ea typeface="Microsoft JhengHei" panose="020B0604030504040204" pitchFamily="34" charset="-120"/>
-              </a:rPr>
-              <a:t>到</a:t>
-            </a:r>
-            <a:r>
-              <a:rPr lang="zh-CN" altLang="en-US" sz="5400" b="1" dirty="0" smtClean="0">
-                <a:solidFill>
-                  <a:srgbClr val="000066"/>
-                </a:solidFill>
-                <a:latin typeface="Microsoft JhengHei" panose="020B0604030504040204" pitchFamily="34" charset="-120"/>
-                <a:ea typeface="Microsoft JhengHei" panose="020B0604030504040204" pitchFamily="34" charset="-120"/>
-              </a:rPr>
-              <a:t>袮</a:t>
-            </a:r>
-            <a:r>
-              <a:rPr lang="zh-TW" altLang="en-US" sz="5400" b="1" dirty="0" smtClean="0">
-                <a:solidFill>
-                  <a:srgbClr val="000066"/>
-                </a:solidFill>
-                <a:latin typeface="Microsoft JhengHei" panose="020B0604030504040204" pitchFamily="34" charset="-120"/>
-                <a:ea typeface="Microsoft JhengHei" panose="020B0604030504040204" pitchFamily="34" charset="-120"/>
-              </a:rPr>
-              <a:t>面前</a:t>
-            </a:r>
-            <a:endParaRPr lang="en-US" altLang="zh-TW" sz="5400" b="1" dirty="0" smtClean="0">
-              <a:solidFill>
-                <a:srgbClr val="000066"/>
-              </a:solidFill>
-              <a:latin typeface="Microsoft JhengHei" panose="020B0604030504040204" pitchFamily="34" charset="-120"/>
-              <a:ea typeface="Microsoft JhengHei" panose="020B0604030504040204" pitchFamily="34" charset="-120"/>
-            </a:endParaRPr>
-          </a:p>
-          <a:p>
-            <a:pPr marL="0" indent="0" algn="ctr">
-              <a:buNone/>
-            </a:pPr>
-            <a:r>
-              <a:rPr lang="zh-TW" altLang="en-US" sz="5400" b="1" dirty="0" smtClean="0">
-                <a:solidFill>
-                  <a:srgbClr val="000066"/>
-                </a:solidFill>
-                <a:latin typeface="Microsoft JhengHei" panose="020B0604030504040204" pitchFamily="34" charset="-120"/>
-                <a:ea typeface="Microsoft JhengHei" panose="020B0604030504040204" pitchFamily="34" charset="-120"/>
-              </a:rPr>
-              <a:t>全</a:t>
-            </a:r>
-            <a:r>
-              <a:rPr lang="zh-TW" altLang="en-US" sz="5400" b="1" dirty="0">
-                <a:solidFill>
-                  <a:srgbClr val="000066"/>
-                </a:solidFill>
-                <a:latin typeface="Microsoft JhengHei" panose="020B0604030504040204" pitchFamily="34" charset="-120"/>
-                <a:ea typeface="Microsoft JhengHei" panose="020B0604030504040204" pitchFamily="34" charset="-120"/>
-              </a:rPr>
-              <a:t>心</a:t>
-            </a:r>
-            <a:r>
-              <a:rPr lang="zh-TW" altLang="en-US" sz="5400" b="1" dirty="0" smtClean="0">
-                <a:solidFill>
-                  <a:srgbClr val="000066"/>
-                </a:solidFill>
-                <a:latin typeface="Microsoft JhengHei" panose="020B0604030504040204" pitchFamily="34" charset="-120"/>
-                <a:ea typeface="Microsoft JhengHei" panose="020B0604030504040204" pitchFamily="34" charset="-120"/>
-              </a:rPr>
-              <a:t>向</a:t>
-            </a:r>
-            <a:r>
-              <a:rPr lang="zh-CN" altLang="en-US" sz="5400" b="1" dirty="0">
-                <a:solidFill>
-                  <a:srgbClr val="000066"/>
-                </a:solidFill>
-                <a:latin typeface="Microsoft JhengHei" panose="020B0604030504040204" pitchFamily="34" charset="-120"/>
-                <a:ea typeface="Microsoft JhengHei" panose="020B0604030504040204" pitchFamily="34" charset="-120"/>
-              </a:rPr>
-              <a:t>袮</a:t>
-            </a:r>
-            <a:r>
-              <a:rPr lang="zh-TW" altLang="en-US" sz="5400" b="1" dirty="0" smtClean="0">
-                <a:solidFill>
-                  <a:srgbClr val="000066"/>
-                </a:solidFill>
-                <a:latin typeface="Microsoft JhengHei" panose="020B0604030504040204" pitchFamily="34" charset="-120"/>
-                <a:ea typeface="Microsoft JhengHei" panose="020B0604030504040204" pitchFamily="34" charset="-120"/>
-              </a:rPr>
-              <a:t>稱</a:t>
-            </a:r>
-            <a:r>
-              <a:rPr lang="zh-TW" altLang="en-US" sz="5400" b="1">
-                <a:solidFill>
-                  <a:srgbClr val="000066"/>
-                </a:solidFill>
-                <a:latin typeface="Microsoft JhengHei" panose="020B0604030504040204" pitchFamily="34" charset="-120"/>
-                <a:ea typeface="Microsoft JhengHei" panose="020B0604030504040204" pitchFamily="34" charset="-120"/>
-              </a:rPr>
-              <a:t>謝 </a:t>
-            </a:r>
-            <a:r>
-              <a:rPr lang="zh-TW" altLang="en-US" sz="5400" b="1" smtClean="0">
-                <a:solidFill>
-                  <a:srgbClr val="000066"/>
-                </a:solidFill>
-                <a:latin typeface="Microsoft JhengHei" panose="020B0604030504040204" pitchFamily="34" charset="-120"/>
-                <a:ea typeface="Microsoft JhengHei" panose="020B0604030504040204" pitchFamily="34" charset="-120"/>
-              </a:rPr>
-              <a:t> 耶</a:t>
-            </a:r>
-            <a:r>
-              <a:rPr lang="zh-TW" altLang="en-US" sz="5400" b="1" dirty="0" smtClean="0">
-                <a:solidFill>
-                  <a:srgbClr val="000066"/>
-                </a:solidFill>
-                <a:latin typeface="Microsoft JhengHei" panose="020B0604030504040204" pitchFamily="34" charset="-120"/>
-                <a:ea typeface="Microsoft JhengHei" panose="020B0604030504040204" pitchFamily="34" charset="-120"/>
-              </a:rPr>
-              <a:t>穌</a:t>
-            </a:r>
-            <a:endParaRPr lang="en-US" altLang="zh-TW" sz="5400" b="1" dirty="0" smtClean="0">
-              <a:solidFill>
-                <a:srgbClr val="000066"/>
-              </a:solidFill>
-              <a:latin typeface="Microsoft JhengHei" panose="020B0604030504040204" pitchFamily="34" charset="-120"/>
-              <a:ea typeface="Microsoft JhengHei" panose="020B0604030504040204" pitchFamily="34" charset="-120"/>
-            </a:endParaRPr>
-          </a:p>
-          <a:p>
-            <a:pPr marL="0" indent="0" algn="ctr">
-              <a:buNone/>
-            </a:pPr>
-            <a:r>
-              <a:rPr lang="zh-CN" altLang="en-US" sz="5400" b="1" dirty="0">
-                <a:solidFill>
-                  <a:srgbClr val="000066"/>
-                </a:solidFill>
-                <a:latin typeface="Microsoft JhengHei" panose="020B0604030504040204" pitchFamily="34" charset="-120"/>
-                <a:ea typeface="Microsoft JhengHei" panose="020B0604030504040204" pitchFamily="34" charset="-120"/>
-              </a:rPr>
-              <a:t>袮</a:t>
-            </a:r>
-            <a:r>
-              <a:rPr lang="zh-TW" altLang="en-US" sz="5400" b="1" dirty="0" smtClean="0">
-                <a:solidFill>
-                  <a:srgbClr val="000066"/>
-                </a:solidFill>
-                <a:latin typeface="Microsoft JhengHei" panose="020B0604030504040204" pitchFamily="34" charset="-120"/>
-                <a:ea typeface="Microsoft JhengHei" panose="020B0604030504040204" pitchFamily="34" charset="-120"/>
-              </a:rPr>
-              <a:t>是</a:t>
-            </a:r>
-            <a:r>
-              <a:rPr lang="zh-TW" altLang="en-US" sz="5400" b="1" dirty="0">
-                <a:solidFill>
-                  <a:srgbClr val="000066"/>
-                </a:solidFill>
-                <a:latin typeface="Microsoft JhengHei" panose="020B0604030504040204" pitchFamily="34" charset="-120"/>
-                <a:ea typeface="Microsoft JhengHei" panose="020B0604030504040204" pitchFamily="34" charset="-120"/>
-              </a:rPr>
-              <a:t>如此愛</a:t>
-            </a:r>
-            <a:r>
-              <a:rPr lang="zh-TW" altLang="en-US" sz="5400" b="1" dirty="0" smtClean="0">
-                <a:solidFill>
-                  <a:srgbClr val="000066"/>
-                </a:solidFill>
-                <a:latin typeface="Microsoft JhengHei" panose="020B0604030504040204" pitchFamily="34" charset="-120"/>
-                <a:ea typeface="Microsoft JhengHei" panose="020B0604030504040204" pitchFamily="34" charset="-120"/>
-              </a:rPr>
-              <a:t>我</a:t>
-            </a:r>
-            <a:endParaRPr lang="en-US" altLang="zh-TW" sz="5400" b="1" dirty="0" smtClean="0">
-              <a:solidFill>
-                <a:srgbClr val="000066"/>
-              </a:solidFill>
-              <a:latin typeface="Microsoft JhengHei" panose="020B0604030504040204" pitchFamily="34" charset="-120"/>
-              <a:ea typeface="Microsoft JhengHei" panose="020B0604030504040204" pitchFamily="34" charset="-120"/>
-            </a:endParaRPr>
-          </a:p>
-          <a:p>
-            <a:pPr marL="0" indent="0" algn="ctr">
-              <a:buNone/>
-            </a:pPr>
-            <a:r>
-              <a:rPr lang="zh-TW" altLang="en-US" sz="5400" b="1" dirty="0" smtClean="0">
-                <a:solidFill>
-                  <a:srgbClr val="000066"/>
-                </a:solidFill>
-                <a:latin typeface="Microsoft JhengHei" panose="020B0604030504040204" pitchFamily="34" charset="-120"/>
-                <a:ea typeface="Microsoft JhengHei" panose="020B0604030504040204" pitchFamily="34" charset="-120"/>
-              </a:rPr>
-              <a:t>我</a:t>
-            </a:r>
-            <a:r>
-              <a:rPr lang="zh-TW" altLang="en-US" sz="5400" b="1" dirty="0">
-                <a:solidFill>
-                  <a:srgbClr val="000066"/>
-                </a:solidFill>
-                <a:latin typeface="Microsoft JhengHei" panose="020B0604030504040204" pitchFamily="34" charset="-120"/>
-                <a:ea typeface="Microsoft JhengHei" panose="020B0604030504040204" pitchFamily="34" charset="-120"/>
-              </a:rPr>
-              <a:t>單單屬</a:t>
-            </a:r>
-            <a:r>
-              <a:rPr lang="zh-TW" altLang="en-US" sz="5400" b="1" dirty="0" smtClean="0">
-                <a:solidFill>
-                  <a:srgbClr val="000066"/>
-                </a:solidFill>
-                <a:latin typeface="Microsoft JhengHei" panose="020B0604030504040204" pitchFamily="34" charset="-120"/>
-                <a:ea typeface="Microsoft JhengHei" panose="020B0604030504040204" pitchFamily="34" charset="-120"/>
-              </a:rPr>
-              <a:t>於</a:t>
-            </a:r>
-            <a:r>
-              <a:rPr lang="zh-CN" altLang="en-US" sz="5400" b="1" dirty="0">
-                <a:solidFill>
-                  <a:srgbClr val="000066"/>
-                </a:solidFill>
-                <a:latin typeface="Microsoft JhengHei" panose="020B0604030504040204" pitchFamily="34" charset="-120"/>
-                <a:ea typeface="Microsoft JhengHei" panose="020B0604030504040204" pitchFamily="34" charset="-120"/>
-              </a:rPr>
-              <a:t>袮</a:t>
-            </a:r>
-            <a:endParaRPr lang="vi-VN" sz="5400" b="1" dirty="0">
-              <a:solidFill>
-                <a:srgbClr val="000066"/>
-              </a:solidFill>
-              <a:ea typeface="Microsoft JhengHei" panose="020B0604030504040204" pitchFamily="34" charset="-120"/>
+              <a:effectLst>
+                <a:outerShdw blurRad="38100" dist="38100" dir="2700000" algn="tl">
+                  <a:srgbClr val="000000">
+                    <a:alpha val="43137"/>
+                  </a:srgbClr>
+                </a:outerShdw>
+              </a:effectLst>
+              <a:latin typeface="微軟正黑體" pitchFamily="34" charset="-120"/>
+              <a:ea typeface="微軟正黑體" pitchFamily="34" charset="-120"/>
             </a:endParaRPr>
           </a:p>
         </p:txBody>
@@ -3430,7 +3191,7 @@
     </p:spTree>
     <p:extLst>
       <p:ext uri="{BB962C8B-B14F-4D97-AF65-F5344CB8AC3E}">
-        <p14:creationId xmlns:p14="http://schemas.microsoft.com/office/powerpoint/2010/main" val="1574599134"/>
+        <p14:creationId xmlns:p14="http://schemas.microsoft.com/office/powerpoint/2010/main" val="1898277253"/>
       </p:ext>
     </p:extLst>
   </p:cSld>
@@ -3459,43 +3220,41 @@
       </p:grpSpPr>
       <p:sp>
         <p:nvSpPr>
-          <p:cNvPr id="2" name="Title 1"/>
-          <p:cNvSpPr>
-            <a:spLocks noGrp="1"/>
-          </p:cNvSpPr>
-          <p:nvPr>
-            <p:ph type="title"/>
-          </p:nvPr>
-        </p:nvSpPr>
-        <p:spPr/>
-        <p:txBody>
-          <a:bodyPr>
+          <p:cNvPr id="5" name="內容版面配置區 4"/>
+          <p:cNvSpPr>
+            <a:spLocks noGrp="1"/>
+          </p:cNvSpPr>
+          <p:nvPr>
+            <p:ph idx="1"/>
+          </p:nvPr>
+        </p:nvSpPr>
+        <p:spPr>
+          <a:xfrm>
+            <a:off x="0" y="2084851"/>
+            <a:ext cx="12192000" cy="2404863"/>
+          </a:xfrm>
+        </p:spPr>
+        <p:txBody>
+          <a:bodyPr anchor="ctr">
             <a:normAutofit/>
           </a:bodyPr>
           <a:lstStyle/>
           <a:p>
-            <a:r>
-              <a:rPr lang="zh-CN" altLang="en-US" sz="4800" b="1" dirty="0">
+            <a:pPr marL="0" indent="0" algn="ctr">
+              <a:buNone/>
+            </a:pPr>
+            <a:r>
+              <a:rPr lang="zh-TW" altLang="en-US" sz="6400" b="1" dirty="0">
                 <a:solidFill>
                   <a:srgbClr val="000066"/>
                 </a:solidFill>
                 <a:latin typeface="Microsoft JhengHei" panose="020B0604030504040204" pitchFamily="34" charset="-120"/>
                 <a:ea typeface="Microsoft JhengHei" panose="020B0604030504040204" pitchFamily="34" charset="-120"/>
               </a:rPr>
-              <a:t>我心屬</a:t>
-            </a:r>
-            <a:r>
-              <a:rPr lang="zh-CN" altLang="en-US" sz="4800" b="1" dirty="0" smtClean="0">
-                <a:solidFill>
-                  <a:srgbClr val="000066"/>
-                </a:solidFill>
-                <a:latin typeface="Microsoft JhengHei" panose="020B0604030504040204" pitchFamily="34" charset="-120"/>
-                <a:ea typeface="Microsoft JhengHei" panose="020B0604030504040204" pitchFamily="34" charset="-120"/>
-              </a:rPr>
-              <a:t>於</a:t>
-            </a:r>
-            <a:r>
-              <a:rPr lang="zh-CN" altLang="en-US" sz="4800" b="1" dirty="0">
+              <a:t>我來到</a:t>
+            </a:r>
+            <a:r>
+              <a:rPr lang="zh-CN" altLang="en-US" sz="6400" b="1" dirty="0">
                 <a:solidFill>
                   <a:srgbClr val="000066"/>
                 </a:solidFill>
@@ -3504,66 +3263,17 @@
               </a:rPr>
               <a:t>袮</a:t>
             </a:r>
-            <a:endParaRPr lang="vi-VN" sz="4800" b="1" dirty="0">
-              <a:solidFill>
-                <a:srgbClr val="000066"/>
-              </a:solidFill>
-              <a:ea typeface="Microsoft JhengHei" panose="020B0604030504040204" pitchFamily="34" charset="-120"/>
-            </a:endParaRPr>
-          </a:p>
-        </p:txBody>
-      </p:sp>
-      <p:sp>
-        <p:nvSpPr>
-          <p:cNvPr id="3" name="Content Placeholder 2"/>
-          <p:cNvSpPr>
-            <a:spLocks noGrp="1"/>
-          </p:cNvSpPr>
-          <p:nvPr>
-            <p:ph idx="1"/>
-          </p:nvPr>
-        </p:nvSpPr>
-        <p:spPr/>
-        <p:txBody>
-          <a:bodyPr>
-            <a:normAutofit/>
-          </a:bodyPr>
-          <a:lstStyle/>
-          <a:p>
-            <a:pPr marL="0" indent="0" algn="ctr">
-              <a:buNone/>
-            </a:pPr>
-            <a:r>
-              <a:rPr lang="zh-TW" altLang="en-US" sz="5400" b="1" dirty="0">
+            <a:r>
+              <a:rPr lang="zh-TW" altLang="en-US" sz="6400" b="1" dirty="0">
                 <a:solidFill>
                   <a:srgbClr val="000066"/>
                 </a:solidFill>
                 <a:latin typeface="Microsoft JhengHei" panose="020B0604030504040204" pitchFamily="34" charset="-120"/>
                 <a:ea typeface="Microsoft JhengHei" panose="020B0604030504040204" pitchFamily="34" charset="-120"/>
               </a:rPr>
-              <a:t>主我在這</a:t>
-            </a:r>
-            <a:r>
-              <a:rPr lang="zh-TW" altLang="en-US" sz="5400" b="1" dirty="0" smtClean="0">
-                <a:solidFill>
-                  <a:srgbClr val="000066"/>
-                </a:solidFill>
-                <a:latin typeface="Microsoft JhengHei" panose="020B0604030504040204" pitchFamily="34" charset="-120"/>
-                <a:ea typeface="Microsoft JhengHei" panose="020B0604030504040204" pitchFamily="34" charset="-120"/>
-              </a:rPr>
-              <a:t>裡  獻</a:t>
-            </a:r>
-            <a:r>
-              <a:rPr lang="zh-TW" altLang="en-US" sz="5400" b="1" dirty="0">
-                <a:solidFill>
-                  <a:srgbClr val="000066"/>
-                </a:solidFill>
-                <a:latin typeface="Microsoft JhengHei" panose="020B0604030504040204" pitchFamily="34" charset="-120"/>
-                <a:ea typeface="Microsoft JhengHei" panose="020B0604030504040204" pitchFamily="34" charset="-120"/>
-              </a:rPr>
-              <a:t>上我的心 </a:t>
-            </a:r>
-            <a:endParaRPr lang="en-US" altLang="zh-TW" sz="5400" b="1" dirty="0">
+              <a:t>面前</a:t>
+            </a:r>
+            <a:endParaRPr lang="en-US" altLang="zh-TW" sz="6400" b="1" dirty="0">
               <a:solidFill>
                 <a:srgbClr val="000066"/>
               </a:solidFill>
@@ -3576,56 +3286,36 @@
               <a:buNone/>
             </a:pPr>
             <a:r>
-              <a:rPr lang="zh-TW" altLang="en-US" sz="5400" b="1" dirty="0">
+              <a:rPr lang="zh-TW" altLang="en-US" sz="6400" b="1" dirty="0">
                 <a:solidFill>
                   <a:srgbClr val="000066"/>
                 </a:solidFill>
                 <a:latin typeface="Microsoft JhengHei" panose="020B0604030504040204" pitchFamily="34" charset="-120"/>
                 <a:ea typeface="Microsoft JhengHei" panose="020B0604030504040204" pitchFamily="34" charset="-120"/>
               </a:rPr>
-              <a:t>生</a:t>
-            </a:r>
-            <a:r>
-              <a:rPr lang="zh-TW" altLang="en-US" sz="5400" b="1" dirty="0">
+              <a:t>全心向</a:t>
+            </a:r>
+            <a:r>
+              <a:rPr lang="zh-CN" altLang="en-US" sz="6400" b="1" dirty="0">
                 <a:solidFill>
                   <a:srgbClr val="000066"/>
                 </a:solidFill>
                 <a:latin typeface="Microsoft JhengHei" panose="020B0604030504040204" pitchFamily="34" charset="-120"/>
                 <a:ea typeface="Microsoft JhengHei" panose="020B0604030504040204" pitchFamily="34" charset="-120"/>
               </a:rPr>
-              <a:t>命的一切 </a:t>
-            </a:r>
-            <a:r>
-              <a:rPr lang="zh-TW" altLang="en-US" sz="5400" b="1" dirty="0" smtClean="0">
+              <a:t>袮</a:t>
+            </a:r>
+            <a:r>
+              <a:rPr lang="zh-TW" altLang="en-US" sz="6400" b="1" dirty="0">
                 <a:solidFill>
                   <a:srgbClr val="000066"/>
                 </a:solidFill>
                 <a:latin typeface="Microsoft JhengHei" panose="020B0604030504040204" pitchFamily="34" charset="-120"/>
                 <a:ea typeface="Microsoft JhengHei" panose="020B0604030504040204" pitchFamily="34" charset="-120"/>
               </a:rPr>
-              <a:t> 完</a:t>
-            </a:r>
-            <a:r>
-              <a:rPr lang="zh-TW" altLang="en-US" sz="5400" b="1" dirty="0">
-                <a:solidFill>
-                  <a:srgbClr val="000066"/>
-                </a:solidFill>
-                <a:latin typeface="Microsoft JhengHei" panose="020B0604030504040204" pitchFamily="34" charset="-120"/>
-                <a:ea typeface="Microsoft JhengHei" panose="020B0604030504040204" pitchFamily="34" charset="-120"/>
-              </a:rPr>
-              <a:t>全獻給</a:t>
-            </a:r>
-            <a:r>
-              <a:rPr lang="zh-TW" altLang="en-US" sz="5400" b="1" dirty="0">
-                <a:solidFill>
-                  <a:srgbClr val="000066"/>
-                </a:solidFill>
-                <a:latin typeface="Microsoft JhengHei" panose="020B0604030504040204" pitchFamily="34" charset="-120"/>
-                <a:ea typeface="Microsoft JhengHei" panose="020B0604030504040204" pitchFamily="34" charset="-120"/>
-              </a:rPr>
-              <a:t>你</a:t>
-            </a:r>
-            <a:endParaRPr lang="en-US" altLang="zh-TW" sz="5400" b="1" dirty="0">
+              <a:t>稱謝  耶穌</a:t>
+            </a:r>
+            <a:endParaRPr lang="en-US" altLang="zh-TW" sz="6400" b="1" dirty="0">
               <a:solidFill>
                 <a:srgbClr val="000066"/>
               </a:solidFill>
@@ -3633,137 +3323,69 @@
               <a:ea typeface="Microsoft JhengHei" panose="020B0604030504040204" pitchFamily="34" charset="-120"/>
             </a:endParaRPr>
           </a:p>
-          <a:p>
-            <a:pPr marL="0" indent="0" algn="ctr">
-              <a:buNone/>
-            </a:pPr>
-            <a:r>
-              <a:rPr lang="zh-TW" altLang="en-US" sz="5400" b="1" dirty="0">
+        </p:txBody>
+      </p:sp>
+      <p:sp>
+        <p:nvSpPr>
+          <p:cNvPr id="3" name="TextBox 2"/>
+          <p:cNvSpPr txBox="1"/>
+          <p:nvPr/>
+        </p:nvSpPr>
+        <p:spPr>
+          <a:xfrm>
+            <a:off x="0" y="5061182"/>
+            <a:ext cx="12192000" cy="830997"/>
+          </a:xfrm>
+          <a:prstGeom prst="rect">
+            <a:avLst/>
+          </a:prstGeom>
+          <a:noFill/>
+        </p:spPr>
+        <p:txBody>
+          <a:bodyPr wrap="square" rtlCol="0">
+            <a:spAutoFit/>
+          </a:bodyPr>
+          <a:lstStyle/>
+          <a:p>
+            <a:pPr algn="ctr"/>
+            <a:r>
+              <a:rPr lang="en-US" sz="4800" b="1" dirty="0">
                 <a:solidFill>
                   <a:srgbClr val="000066"/>
                 </a:solidFill>
+                <a:effectLst/>
                 <a:latin typeface="Microsoft JhengHei" panose="020B0604030504040204" pitchFamily="34" charset="-120"/>
                 <a:ea typeface="Microsoft JhengHei" panose="020B0604030504040204" pitchFamily="34" charset="-120"/>
               </a:rPr>
-              <a:t>因</a:t>
-            </a:r>
-            <a:r>
-              <a:rPr lang="zh-TW" altLang="en-US" sz="5400" b="1" dirty="0">
+              <a:t>( </a:t>
+            </a:r>
+            <a:r>
+              <a:rPr lang="zh-CN" altLang="en-US" sz="4800" b="1" dirty="0">
                 <a:solidFill>
                   <a:srgbClr val="000066"/>
                 </a:solidFill>
+                <a:effectLst/>
                 <a:latin typeface="Microsoft JhengHei" panose="020B0604030504040204" pitchFamily="34" charset="-120"/>
                 <a:ea typeface="Microsoft JhengHei" panose="020B0604030504040204" pitchFamily="34" charset="-120"/>
               </a:rPr>
-              <a:t>為我並沒</a:t>
-            </a:r>
-            <a:r>
-              <a:rPr lang="zh-TW" altLang="en-US" sz="5400" b="1" dirty="0" smtClean="0">
+              <a:t>正</a:t>
+            </a:r>
+            <a:r>
+              <a:rPr lang="en-US" sz="4800" b="1" dirty="0">
                 <a:solidFill>
                   <a:srgbClr val="000066"/>
                 </a:solidFill>
+                <a:effectLst/>
                 <a:latin typeface="Microsoft JhengHei" panose="020B0604030504040204" pitchFamily="34" charset="-120"/>
                 <a:ea typeface="Microsoft JhengHei" panose="020B0604030504040204" pitchFamily="34" charset="-120"/>
               </a:rPr>
-              <a:t>有  </a:t>
-            </a:r>
-            <a:r>
-              <a:rPr lang="zh-TW" altLang="en-US" sz="5400" b="1" dirty="0">
-                <a:solidFill>
-                  <a:srgbClr val="000066"/>
-                </a:solidFill>
-                <a:latin typeface="Microsoft JhengHei" panose="020B0604030504040204" pitchFamily="34" charset="-120"/>
-                <a:ea typeface="Microsoft JhengHei" panose="020B0604030504040204" pitchFamily="34" charset="-120"/>
-              </a:rPr>
-              <a:t>財寶和金</a:t>
-            </a:r>
-            <a:r>
-              <a:rPr lang="zh-TW" altLang="en-US" sz="5400" b="1" dirty="0">
-                <a:solidFill>
-                  <a:srgbClr val="000066"/>
-                </a:solidFill>
-                <a:latin typeface="Microsoft JhengHei" panose="020B0604030504040204" pitchFamily="34" charset="-120"/>
-                <a:ea typeface="Microsoft JhengHei" panose="020B0604030504040204" pitchFamily="34" charset="-120"/>
-              </a:rPr>
-              <a:t>銀</a:t>
-            </a:r>
-            <a:endParaRPr lang="en-US" altLang="zh-TW" sz="5400" b="1" dirty="0">
+              <a:t> )</a:t>
+            </a:r>
+            <a:endParaRPr lang="vi-VN" sz="4800" b="1" dirty="0">
               <a:solidFill>
                 <a:srgbClr val="000066"/>
               </a:solidFill>
-              <a:latin typeface="Microsoft JhengHei" panose="020B0604030504040204" pitchFamily="34" charset="-120"/>
-              <a:ea typeface="Microsoft JhengHei" panose="020B0604030504040204" pitchFamily="34" charset="-120"/>
-            </a:endParaRPr>
-          </a:p>
-          <a:p>
-            <a:pPr marL="0" indent="0" algn="ctr">
-              <a:buNone/>
-            </a:pPr>
-            <a:r>
-              <a:rPr lang="zh-TW" altLang="en-US" sz="5400" b="1" dirty="0">
-                <a:solidFill>
-                  <a:srgbClr val="000066"/>
-                </a:solidFill>
-                <a:latin typeface="Microsoft JhengHei" panose="020B0604030504040204" pitchFamily="34" charset="-120"/>
-                <a:ea typeface="Microsoft JhengHei" panose="020B0604030504040204" pitchFamily="34" charset="-120"/>
-              </a:rPr>
-              <a:t>能</a:t>
-            </a:r>
-            <a:r>
-              <a:rPr lang="zh-TW" altLang="en-US" sz="5400" b="1" dirty="0">
-                <a:solidFill>
-                  <a:srgbClr val="000066"/>
-                </a:solidFill>
-                <a:latin typeface="Microsoft JhengHei" panose="020B0604030504040204" pitchFamily="34" charset="-120"/>
-                <a:ea typeface="Microsoft JhengHei" panose="020B0604030504040204" pitchFamily="34" charset="-120"/>
-              </a:rPr>
-              <a:t>夠獻</a:t>
-            </a:r>
-            <a:r>
-              <a:rPr lang="zh-TW" altLang="en-US" sz="5400" b="1" dirty="0" smtClean="0">
-                <a:solidFill>
-                  <a:srgbClr val="000066"/>
-                </a:solidFill>
-                <a:latin typeface="Microsoft JhengHei" panose="020B0604030504040204" pitchFamily="34" charset="-120"/>
-                <a:ea typeface="Microsoft JhengHei" panose="020B0604030504040204" pitchFamily="34" charset="-120"/>
-              </a:rPr>
-              <a:t>給</a:t>
-            </a:r>
-            <a:r>
-              <a:rPr lang="zh-CN" altLang="en-US" sz="5400" b="1" dirty="0" smtClean="0">
-                <a:solidFill>
-                  <a:srgbClr val="000066"/>
-                </a:solidFill>
-                <a:latin typeface="Microsoft JhengHei" panose="020B0604030504040204" pitchFamily="34" charset="-120"/>
-                <a:ea typeface="Microsoft JhengHei" panose="020B0604030504040204" pitchFamily="34" charset="-120"/>
-              </a:rPr>
-              <a:t>袮  </a:t>
-            </a:r>
-            <a:r>
-              <a:rPr lang="zh-TW" altLang="en-US" sz="5400" b="1" dirty="0" smtClean="0">
-                <a:solidFill>
-                  <a:srgbClr val="000066"/>
-                </a:solidFill>
-                <a:latin typeface="Microsoft JhengHei" panose="020B0604030504040204" pitchFamily="34" charset="-120"/>
-                <a:ea typeface="Microsoft JhengHei" panose="020B0604030504040204" pitchFamily="34" charset="-120"/>
-              </a:rPr>
-              <a:t>唯</a:t>
-            </a:r>
-            <a:r>
-              <a:rPr lang="zh-TW" altLang="en-US" sz="5400" b="1" dirty="0">
-                <a:solidFill>
-                  <a:srgbClr val="000066"/>
-                </a:solidFill>
-                <a:latin typeface="Microsoft JhengHei" panose="020B0604030504040204" pitchFamily="34" charset="-120"/>
-                <a:ea typeface="Microsoft JhengHei" panose="020B0604030504040204" pitchFamily="34" charset="-120"/>
-              </a:rPr>
-              <a:t>有我的心</a:t>
-            </a:r>
-            <a:endParaRPr lang="vi-VN" sz="5400" b="1" dirty="0">
-              <a:solidFill>
-                <a:srgbClr val="000066"/>
-              </a:solidFill>
-              <a:latin typeface="Microsoft JhengHei" panose="020B0604030504040204" pitchFamily="34" charset="-120"/>
+              <a:effectLst/>
               <a:ea typeface="Microsoft JhengHei" panose="020B0604030504040204" pitchFamily="34" charset="-120"/>
             </a:endParaRPr>
           </a:p>
@@ -3772,7 +3394,7 @@
     </p:spTree>
     <p:extLst>
       <p:ext uri="{BB962C8B-B14F-4D97-AF65-F5344CB8AC3E}">
-        <p14:creationId xmlns:p14="http://schemas.microsoft.com/office/powerpoint/2010/main" val="3965736800"/>
+        <p14:creationId xmlns:p14="http://schemas.microsoft.com/office/powerpoint/2010/main" val="4208865884"/>
       </p:ext>
     </p:extLst>
   </p:cSld>
@@ -3801,43 +3423,31 @@
       </p:grpSpPr>
       <p:sp>
         <p:nvSpPr>
-          <p:cNvPr id="2" name="Title 1"/>
-          <p:cNvSpPr>
-            <a:spLocks noGrp="1"/>
-          </p:cNvSpPr>
-          <p:nvPr>
-            <p:ph type="title"/>
-          </p:nvPr>
-        </p:nvSpPr>
-        <p:spPr/>
-        <p:txBody>
-          <a:bodyPr>
+          <p:cNvPr id="5" name="內容版面配置區 4"/>
+          <p:cNvSpPr>
+            <a:spLocks noGrp="1"/>
+          </p:cNvSpPr>
+          <p:nvPr>
+            <p:ph idx="1"/>
+          </p:nvPr>
+        </p:nvSpPr>
+        <p:spPr>
+          <a:xfrm>
+            <a:off x="0" y="2084851"/>
+            <a:ext cx="12192000" cy="2404863"/>
+          </a:xfrm>
+        </p:spPr>
+        <p:txBody>
+          <a:bodyPr anchor="ctr">
             <a:normAutofit/>
           </a:bodyPr>
           <a:lstStyle/>
           <a:p>
-            <a:r>
-              <a:rPr lang="zh-CN" altLang="en-US" sz="4800" b="1" dirty="0">
-                <a:solidFill>
-                  <a:srgbClr val="000066"/>
-                </a:solidFill>
-                <a:latin typeface="Microsoft JhengHei" panose="020B0604030504040204" pitchFamily="34" charset="-120"/>
-                <a:ea typeface="Microsoft JhengHei" panose="020B0604030504040204" pitchFamily="34" charset="-120"/>
-              </a:rPr>
-              <a:t>我心屬</a:t>
-            </a:r>
-            <a:r>
-              <a:rPr lang="zh-CN" altLang="en-US" sz="4800" b="1" dirty="0" smtClean="0">
-                <a:solidFill>
-                  <a:srgbClr val="000066"/>
-                </a:solidFill>
-                <a:latin typeface="Microsoft JhengHei" panose="020B0604030504040204" pitchFamily="34" charset="-120"/>
-                <a:ea typeface="Microsoft JhengHei" panose="020B0604030504040204" pitchFamily="34" charset="-120"/>
-              </a:rPr>
-              <a:t>於</a:t>
-            </a:r>
-            <a:r>
-              <a:rPr lang="zh-CN" altLang="en-US" sz="4800" b="1" dirty="0">
+            <a:pPr marL="0" indent="0" algn="ctr">
+              <a:buNone/>
+            </a:pPr>
+            <a:r>
+              <a:rPr lang="zh-CN" altLang="en-US" sz="6400" b="1" dirty="0">
                 <a:solidFill>
                   <a:srgbClr val="000066"/>
                 </a:solidFill>
@@ -3846,76 +3456,17 @@
               </a:rPr>
               <a:t>袮</a:t>
             </a:r>
-            <a:endParaRPr lang="vi-VN" sz="4800" b="1" dirty="0">
-              <a:solidFill>
-                <a:srgbClr val="000066"/>
-              </a:solidFill>
-              <a:ea typeface="Microsoft JhengHei" panose="020B0604030504040204" pitchFamily="34" charset="-120"/>
-            </a:endParaRPr>
-          </a:p>
-        </p:txBody>
-      </p:sp>
-      <p:sp>
-        <p:nvSpPr>
-          <p:cNvPr id="3" name="Content Placeholder 2"/>
-          <p:cNvSpPr>
-            <a:spLocks noGrp="1"/>
-          </p:cNvSpPr>
-          <p:nvPr>
-            <p:ph idx="1"/>
-          </p:nvPr>
-        </p:nvSpPr>
-        <p:spPr/>
-        <p:txBody>
-          <a:bodyPr>
-            <a:normAutofit/>
-          </a:bodyPr>
-          <a:lstStyle/>
-          <a:p>
-            <a:pPr marL="0" indent="0" algn="ctr">
-              <a:buNone/>
-            </a:pPr>
-            <a:r>
-              <a:rPr lang="zh-TW" altLang="en-US" sz="5400" b="1" dirty="0">
+            <a:r>
+              <a:rPr lang="zh-TW" altLang="en-US" sz="6400" b="1" dirty="0">
                 <a:solidFill>
                   <a:srgbClr val="000066"/>
                 </a:solidFill>
                 <a:latin typeface="Microsoft JhengHei" panose="020B0604030504040204" pitchFamily="34" charset="-120"/>
                 <a:ea typeface="Microsoft JhengHei" panose="020B0604030504040204" pitchFamily="34" charset="-120"/>
               </a:rPr>
-              <a:t>我唯一禱告 </a:t>
-            </a:r>
-            <a:r>
-              <a:rPr lang="zh-TW" altLang="en-US" sz="5400" b="1" dirty="0" smtClean="0">
-                <a:solidFill>
-                  <a:srgbClr val="000066"/>
-                </a:solidFill>
-                <a:latin typeface="Microsoft JhengHei" panose="020B0604030504040204" pitchFamily="34" charset="-120"/>
-                <a:ea typeface="Microsoft JhengHei" panose="020B0604030504040204" pitchFamily="34" charset="-120"/>
-              </a:rPr>
-              <a:t> 唯</a:t>
-            </a:r>
-            <a:r>
-              <a:rPr lang="zh-TW" altLang="en-US" sz="5400" b="1" dirty="0">
-                <a:solidFill>
-                  <a:srgbClr val="000066"/>
-                </a:solidFill>
-                <a:latin typeface="Microsoft JhengHei" panose="020B0604030504040204" pitchFamily="34" charset="-120"/>
-                <a:ea typeface="Microsoft JhengHei" panose="020B0604030504040204" pitchFamily="34" charset="-120"/>
-              </a:rPr>
-              <a:t>一的呼</a:t>
-            </a:r>
-            <a:r>
-              <a:rPr lang="zh-TW" altLang="en-US" sz="5400" b="1" dirty="0">
-                <a:solidFill>
-                  <a:srgbClr val="000066"/>
-                </a:solidFill>
-                <a:latin typeface="Microsoft JhengHei" panose="020B0604030504040204" pitchFamily="34" charset="-120"/>
-                <a:ea typeface="Microsoft JhengHei" panose="020B0604030504040204" pitchFamily="34" charset="-120"/>
-              </a:rPr>
-              <a:t>求</a:t>
-            </a:r>
-            <a:endParaRPr lang="en-US" altLang="zh-TW" sz="5400" b="1" dirty="0">
+              <a:t>是如此愛我</a:t>
+            </a:r>
+            <a:endParaRPr lang="en-US" altLang="zh-TW" sz="6400" b="1" dirty="0">
               <a:solidFill>
                 <a:srgbClr val="000066"/>
               </a:solidFill>
@@ -3928,17 +3479,17 @@
               <a:buNone/>
             </a:pPr>
             <a:r>
-              <a:rPr lang="zh-TW" altLang="en-US" sz="5400" b="1" dirty="0" smtClean="0">
+              <a:rPr lang="zh-TW" altLang="en-US" sz="6400" b="1" dirty="0">
                 <a:solidFill>
                   <a:srgbClr val="000066"/>
                 </a:solidFill>
                 <a:latin typeface="Microsoft JhengHei" panose="020B0604030504040204" pitchFamily="34" charset="-120"/>
                 <a:ea typeface="Microsoft JhengHei" panose="020B0604030504040204" pitchFamily="34" charset="-120"/>
               </a:rPr>
-              <a:t>是</a:t>
-            </a:r>
-            <a:r>
-              <a:rPr lang="zh-CN" altLang="en-US" sz="5400" b="1" dirty="0">
+              <a:t>我單單屬於</a:t>
+            </a:r>
+            <a:r>
+              <a:rPr lang="zh-CN" altLang="en-US" sz="6400" b="1" dirty="0">
                 <a:solidFill>
                   <a:srgbClr val="000066"/>
                 </a:solidFill>
@@ -3947,57 +3498,147 @@
               </a:rPr>
               <a:t>袮</a:t>
             </a:r>
-            <a:r>
-              <a:rPr lang="zh-TW" altLang="en-US" sz="5400" b="1" dirty="0" smtClean="0">
+            <a:endParaRPr lang="vi-VN" sz="6400" b="1" dirty="0">
+              <a:solidFill>
+                <a:srgbClr val="000066"/>
+              </a:solidFill>
+              <a:ea typeface="Microsoft JhengHei" panose="020B0604030504040204" pitchFamily="34" charset="-120"/>
+            </a:endParaRPr>
+          </a:p>
+        </p:txBody>
+      </p:sp>
+      <p:sp>
+        <p:nvSpPr>
+          <p:cNvPr id="4" name="TextBox 3"/>
+          <p:cNvSpPr txBox="1"/>
+          <p:nvPr/>
+        </p:nvSpPr>
+        <p:spPr>
+          <a:xfrm>
+            <a:off x="0" y="5061182"/>
+            <a:ext cx="12192000" cy="830997"/>
+          </a:xfrm>
+          <a:prstGeom prst="rect">
+            <a:avLst/>
+          </a:prstGeom>
+          <a:noFill/>
+        </p:spPr>
+        <p:txBody>
+          <a:bodyPr wrap="square" rtlCol="0">
+            <a:spAutoFit/>
+          </a:bodyPr>
+          <a:lstStyle/>
+          <a:p>
+            <a:pPr algn="ctr"/>
+            <a:r>
+              <a:rPr lang="en-US" sz="4800" b="1" dirty="0">
                 <a:solidFill>
                   <a:srgbClr val="000066"/>
                 </a:solidFill>
+                <a:effectLst/>
                 <a:latin typeface="Microsoft JhengHei" panose="020B0604030504040204" pitchFamily="34" charset="-120"/>
                 <a:ea typeface="Microsoft JhengHei" panose="020B0604030504040204" pitchFamily="34" charset="-120"/>
               </a:rPr>
-              <a:t>能</a:t>
-            </a:r>
-            <a:r>
-              <a:rPr lang="zh-TW" altLang="en-US" sz="5400" b="1" dirty="0">
+              <a:t>( </a:t>
+            </a:r>
+            <a:r>
+              <a:rPr lang="zh-CN" altLang="en-US" sz="4800" b="1" dirty="0">
                 <a:solidFill>
                   <a:srgbClr val="000066"/>
                 </a:solidFill>
+                <a:effectLst/>
                 <a:latin typeface="Microsoft JhengHei" panose="020B0604030504040204" pitchFamily="34" charset="-120"/>
                 <a:ea typeface="Microsoft JhengHei" panose="020B0604030504040204" pitchFamily="34" charset="-120"/>
               </a:rPr>
-              <a:t>悅納</a:t>
-            </a:r>
-            <a:r>
-              <a:rPr lang="zh-TW" altLang="en-US" sz="5400" b="1" dirty="0" smtClean="0">
+              <a:t>正</a:t>
+            </a:r>
+            <a:r>
+              <a:rPr lang="en-US" sz="4800" b="1" dirty="0">
                 <a:solidFill>
                   <a:srgbClr val="000066"/>
                 </a:solidFill>
+                <a:effectLst/>
                 <a:latin typeface="Microsoft JhengHei" panose="020B0604030504040204" pitchFamily="34" charset="-120"/>
                 <a:ea typeface="Microsoft JhengHei" panose="020B0604030504040204" pitchFamily="34" charset="-120"/>
               </a:rPr>
-              <a:t>我  </a:t>
-            </a:r>
-            <a:r>
-              <a:rPr lang="zh-TW" altLang="en-US" sz="5400" b="1" dirty="0">
+              <a:t> )</a:t>
+            </a:r>
+            <a:endParaRPr lang="vi-VN" sz="4800" b="1" dirty="0">
+              <a:solidFill>
+                <a:srgbClr val="000066"/>
+              </a:solidFill>
+              <a:effectLst/>
+              <a:ea typeface="Microsoft JhengHei" panose="020B0604030504040204" pitchFamily="34" charset="-120"/>
+            </a:endParaRPr>
+          </a:p>
+        </p:txBody>
+      </p:sp>
+    </p:spTree>
+    <p:extLst>
+      <p:ext uri="{BB962C8B-B14F-4D97-AF65-F5344CB8AC3E}">
+        <p14:creationId xmlns:p14="http://schemas.microsoft.com/office/powerpoint/2010/main" val="1015007235"/>
+      </p:ext>
+    </p:extLst>
+  </p:cSld>
+  <p:clrMapOvr>
+    <a:masterClrMapping/>
+  </p:clrMapOvr>
+</p:sld>
+</file>
+
+<file path=ppt/slides/slide4.xml><?xml version="1.0" encoding="utf-8"?>
+<p:sld xmlns:a="http://schemas.openxmlformats.org/drawingml/2006/main" xmlns:r="http://schemas.openxmlformats.org/officeDocument/2006/relationships" xmlns:p="http://schemas.openxmlformats.org/presentationml/2006/main">
+  <p:cSld>
+    <p:spTree>
+      <p:nvGrpSpPr>
+        <p:cNvPr id="1" name=""/>
+        <p:cNvGrpSpPr/>
+        <p:nvPr/>
+      </p:nvGrpSpPr>
+      <p:grpSpPr>
+        <a:xfrm>
+          <a:off x="0" y="0"/>
+          <a:ext cx="0" cy="0"/>
+          <a:chOff x="0" y="0"/>
+          <a:chExt cx="0" cy="0"/>
+        </a:xfrm>
+      </p:grpSpPr>
+      <p:sp>
+        <p:nvSpPr>
+          <p:cNvPr id="5" name="內容版面配置區 4"/>
+          <p:cNvSpPr>
+            <a:spLocks noGrp="1"/>
+          </p:cNvSpPr>
+          <p:nvPr>
+            <p:ph idx="1"/>
+          </p:nvPr>
+        </p:nvSpPr>
+        <p:spPr>
+          <a:xfrm>
+            <a:off x="0" y="2084851"/>
+            <a:ext cx="12192000" cy="2404863"/>
+          </a:xfrm>
+        </p:spPr>
+        <p:txBody>
+          <a:bodyPr anchor="ctr">
+            <a:normAutofit/>
+          </a:bodyPr>
+          <a:lstStyle/>
+          <a:p>
+            <a:pPr marL="0" indent="0" algn="ctr">
+              <a:buNone/>
+            </a:pPr>
+            <a:r>
+              <a:rPr lang="zh-TW" altLang="en-US" sz="6400" b="1" dirty="0">
                 <a:solidFill>
                   <a:srgbClr val="000066"/>
                 </a:solidFill>
                 <a:latin typeface="Microsoft JhengHei" panose="020B0604030504040204" pitchFamily="34" charset="-120"/>
                 <a:ea typeface="Microsoft JhengHei" panose="020B0604030504040204" pitchFamily="34" charset="-120"/>
               </a:rPr>
-              <a:t>獻上的全所</a:t>
-            </a:r>
-            <a:r>
-              <a:rPr lang="zh-TW" altLang="en-US" sz="5400" b="1" dirty="0">
-                <a:solidFill>
-                  <a:srgbClr val="000066"/>
-                </a:solidFill>
-                <a:latin typeface="Microsoft JhengHei" panose="020B0604030504040204" pitchFamily="34" charset="-120"/>
-                <a:ea typeface="Microsoft JhengHei" panose="020B0604030504040204" pitchFamily="34" charset="-120"/>
-              </a:rPr>
-              <a:t>有</a:t>
-            </a:r>
-            <a:endParaRPr lang="en-US" altLang="zh-TW" sz="5400" b="1" dirty="0">
+              <a:t>主我在這裡   獻上我的心 </a:t>
+            </a:r>
+            <a:endParaRPr lang="en-US" altLang="zh-TW" sz="6400" b="1" dirty="0">
               <a:solidFill>
                 <a:srgbClr val="000066"/>
               </a:solidFill>
@@ -4010,37 +3651,17 @@
               <a:buNone/>
             </a:pPr>
             <a:r>
-              <a:rPr lang="zh-TW" altLang="en-US" sz="5400" b="1" dirty="0">
+              <a:rPr lang="zh-TW" altLang="en-US" sz="6400" b="1" dirty="0">
                 <a:solidFill>
                   <a:srgbClr val="000066"/>
                 </a:solidFill>
                 <a:latin typeface="Microsoft JhengHei" panose="020B0604030504040204" pitchFamily="34" charset="-120"/>
                 <a:ea typeface="Microsoft JhengHei" panose="020B0604030504040204" pitchFamily="34" charset="-120"/>
               </a:rPr>
-              <a:t>願</a:t>
-            </a:r>
-            <a:r>
-              <a:rPr lang="zh-TW" altLang="en-US" sz="5400" b="1" dirty="0">
-                <a:solidFill>
-                  <a:srgbClr val="000066"/>
-                </a:solidFill>
-                <a:latin typeface="Microsoft JhengHei" panose="020B0604030504040204" pitchFamily="34" charset="-120"/>
-                <a:ea typeface="Microsoft JhengHei" panose="020B0604030504040204" pitchFamily="34" charset="-120"/>
-              </a:rPr>
-              <a:t>我這一生 </a:t>
-            </a:r>
-            <a:r>
-              <a:rPr lang="zh-TW" altLang="en-US" sz="5400" b="1" dirty="0" smtClean="0">
-                <a:solidFill>
-                  <a:srgbClr val="000066"/>
-                </a:solidFill>
-                <a:latin typeface="Microsoft JhengHei" panose="020B0604030504040204" pitchFamily="34" charset="-120"/>
-                <a:ea typeface="Microsoft JhengHei" panose="020B0604030504040204" pitchFamily="34" charset="-120"/>
-              </a:rPr>
-              <a:t> 成為</a:t>
-            </a:r>
-            <a:r>
-              <a:rPr lang="zh-CN" altLang="en-US" sz="5400" b="1" dirty="0">
+              <a:t>生命的一切   完全獻給</a:t>
+            </a:r>
+            <a:r>
+              <a:rPr lang="zh-CN" altLang="en-US" sz="6400" b="1" dirty="0">
                 <a:solidFill>
                   <a:srgbClr val="000066"/>
                 </a:solidFill>
@@ -4049,27 +3670,7 @@
               </a:rPr>
               <a:t>袮</a:t>
             </a:r>
-            <a:r>
-              <a:rPr lang="zh-TW" altLang="en-US" sz="5400" b="1" dirty="0" smtClean="0">
-                <a:solidFill>
-                  <a:srgbClr val="000066"/>
-                </a:solidFill>
-                <a:latin typeface="Microsoft JhengHei" panose="020B0604030504040204" pitchFamily="34" charset="-120"/>
-                <a:ea typeface="Microsoft JhengHei" panose="020B0604030504040204" pitchFamily="34" charset="-120"/>
-              </a:rPr>
-              <a:t>器</a:t>
-            </a:r>
-            <a:r>
-              <a:rPr lang="zh-TW" altLang="en-US" sz="5400" b="1" dirty="0">
-                <a:solidFill>
-                  <a:srgbClr val="000066"/>
-                </a:solidFill>
-                <a:latin typeface="Microsoft JhengHei" panose="020B0604030504040204" pitchFamily="34" charset="-120"/>
-                <a:ea typeface="Microsoft JhengHei" panose="020B0604030504040204" pitchFamily="34" charset="-120"/>
-              </a:rPr>
-              <a:t>皿</a:t>
-            </a:r>
-            <a:endParaRPr lang="en-US" altLang="zh-TW" sz="5400" b="1" dirty="0">
+            <a:endParaRPr lang="en-US" altLang="zh-TW" sz="6400" b="1" dirty="0">
               <a:solidFill>
                 <a:srgbClr val="000066"/>
               </a:solidFill>
@@ -4077,71 +3678,140 @@
               <a:ea typeface="Microsoft JhengHei" panose="020B0604030504040204" pitchFamily="34" charset="-120"/>
             </a:endParaRPr>
           </a:p>
-          <a:p>
-            <a:pPr marL="0" indent="0" algn="ctr">
-              <a:buNone/>
-            </a:pPr>
-            <a:r>
-              <a:rPr lang="zh-TW" altLang="en-US" sz="5400" b="1" dirty="0">
+        </p:txBody>
+      </p:sp>
+      <p:sp>
+        <p:nvSpPr>
+          <p:cNvPr id="4" name="TextBox 3"/>
+          <p:cNvSpPr txBox="1"/>
+          <p:nvPr/>
+        </p:nvSpPr>
+        <p:spPr>
+          <a:xfrm>
+            <a:off x="0" y="5061182"/>
+            <a:ext cx="12192000" cy="830997"/>
+          </a:xfrm>
+          <a:prstGeom prst="rect">
+            <a:avLst/>
+          </a:prstGeom>
+          <a:noFill/>
+        </p:spPr>
+        <p:txBody>
+          <a:bodyPr wrap="square" rtlCol="0">
+            <a:spAutoFit/>
+          </a:bodyPr>
+          <a:lstStyle/>
+          <a:p>
+            <a:pPr algn="ctr"/>
+            <a:r>
+              <a:rPr lang="en-US" sz="4800" b="1" dirty="0">
                 <a:solidFill>
                   <a:srgbClr val="000066"/>
                 </a:solidFill>
+                <a:effectLst/>
                 <a:latin typeface="Microsoft JhengHei" panose="020B0604030504040204" pitchFamily="34" charset="-120"/>
                 <a:ea typeface="Microsoft JhengHei" panose="020B0604030504040204" pitchFamily="34" charset="-120"/>
               </a:rPr>
-              <a:t>來</a:t>
-            </a:r>
-            <a:r>
-              <a:rPr lang="zh-TW" altLang="en-US" sz="5400" b="1" dirty="0">
+              <a:t>( </a:t>
+            </a:r>
+            <a:r>
+              <a:rPr lang="zh-CN" altLang="en-US" sz="4800" b="1" dirty="0">
                 <a:solidFill>
                   <a:srgbClr val="000066"/>
                 </a:solidFill>
+                <a:effectLst/>
                 <a:latin typeface="Microsoft JhengHei" panose="020B0604030504040204" pitchFamily="34" charset="-120"/>
                 <a:ea typeface="Microsoft JhengHei" panose="020B0604030504040204" pitchFamily="34" charset="-120"/>
               </a:rPr>
-              <a:t>完</a:t>
-            </a:r>
-            <a:r>
-              <a:rPr lang="zh-TW" altLang="en-US" sz="5400" b="1" dirty="0" smtClean="0">
+              <a:t>副</a:t>
+            </a:r>
+            <a:r>
+              <a:rPr lang="en-US" sz="4800" b="1" dirty="0">
                 <a:solidFill>
                   <a:srgbClr val="000066"/>
                 </a:solidFill>
+                <a:effectLst/>
                 <a:latin typeface="Microsoft JhengHei" panose="020B0604030504040204" pitchFamily="34" charset="-120"/>
                 <a:ea typeface="Microsoft JhengHei" panose="020B0604030504040204" pitchFamily="34" charset="-120"/>
               </a:rPr>
-              <a:t>成</a:t>
-            </a:r>
-            <a:r>
-              <a:rPr lang="zh-CN" altLang="en-US" sz="5400" b="1" dirty="0">
+              <a:t> )</a:t>
+            </a:r>
+            <a:endParaRPr lang="vi-VN" sz="4800" b="1" dirty="0">
+              <a:solidFill>
+                <a:srgbClr val="000066"/>
+              </a:solidFill>
+              <a:effectLst/>
+              <a:ea typeface="Microsoft JhengHei" panose="020B0604030504040204" pitchFamily="34" charset="-120"/>
+            </a:endParaRPr>
+          </a:p>
+        </p:txBody>
+      </p:sp>
+    </p:spTree>
+    <p:extLst>
+      <p:ext uri="{BB962C8B-B14F-4D97-AF65-F5344CB8AC3E}">
+        <p14:creationId xmlns:p14="http://schemas.microsoft.com/office/powerpoint/2010/main" val="2904498920"/>
+      </p:ext>
+    </p:extLst>
+  </p:cSld>
+  <p:clrMapOvr>
+    <a:masterClrMapping/>
+  </p:clrMapOvr>
+</p:sld>
+</file>
+
+<file path=ppt/slides/slide5.xml><?xml version="1.0" encoding="utf-8"?>
+<p:sld xmlns:a="http://schemas.openxmlformats.org/drawingml/2006/main" xmlns:r="http://schemas.openxmlformats.org/officeDocument/2006/relationships" xmlns:p="http://schemas.openxmlformats.org/presentationml/2006/main">
+  <p:cSld>
+    <p:spTree>
+      <p:nvGrpSpPr>
+        <p:cNvPr id="1" name=""/>
+        <p:cNvGrpSpPr/>
+        <p:nvPr/>
+      </p:nvGrpSpPr>
+      <p:grpSpPr>
+        <a:xfrm>
+          <a:off x="0" y="0"/>
+          <a:ext cx="0" cy="0"/>
+          <a:chOff x="0" y="0"/>
+          <a:chExt cx="0" cy="0"/>
+        </a:xfrm>
+      </p:grpSpPr>
+      <p:sp>
+        <p:nvSpPr>
+          <p:cNvPr id="5" name="內容版面配置區 4"/>
+          <p:cNvSpPr>
+            <a:spLocks noGrp="1"/>
+          </p:cNvSpPr>
+          <p:nvPr>
+            <p:ph idx="1"/>
+          </p:nvPr>
+        </p:nvSpPr>
+        <p:spPr>
+          <a:xfrm>
+            <a:off x="0" y="2084851"/>
+            <a:ext cx="12192000" cy="2404863"/>
+          </a:xfrm>
+        </p:spPr>
+        <p:txBody>
+          <a:bodyPr anchor="ctr">
+            <a:normAutofit/>
+          </a:bodyPr>
+          <a:lstStyle/>
+          <a:p>
+            <a:pPr marL="0" indent="0" algn="ctr">
+              <a:buNone/>
+            </a:pPr>
+            <a:r>
+              <a:rPr lang="zh-TW" altLang="en-US" sz="6400" b="1" dirty="0">
                 <a:solidFill>
                   <a:srgbClr val="000066"/>
                 </a:solidFill>
                 <a:latin typeface="Microsoft JhengHei" panose="020B0604030504040204" pitchFamily="34" charset="-120"/>
                 <a:ea typeface="Microsoft JhengHei" panose="020B0604030504040204" pitchFamily="34" charset="-120"/>
               </a:rPr>
-              <a:t>袮</a:t>
-            </a:r>
-            <a:r>
-              <a:rPr lang="zh-TW" altLang="en-US" sz="5400" b="1" dirty="0" smtClean="0">
-                <a:solidFill>
-                  <a:srgbClr val="000066"/>
-                </a:solidFill>
-                <a:latin typeface="Microsoft JhengHei" panose="020B0604030504040204" pitchFamily="34" charset="-120"/>
-                <a:ea typeface="Microsoft JhengHei" panose="020B0604030504040204" pitchFamily="34" charset="-120"/>
-              </a:rPr>
-              <a:t>旨</a:t>
-            </a:r>
-            <a:r>
-              <a:rPr lang="zh-TW" altLang="en-US" sz="5400" b="1" dirty="0">
-                <a:solidFill>
-                  <a:srgbClr val="000066"/>
-                </a:solidFill>
-                <a:latin typeface="Microsoft JhengHei" panose="020B0604030504040204" pitchFamily="34" charset="-120"/>
-                <a:ea typeface="Microsoft JhengHei" panose="020B0604030504040204" pitchFamily="34" charset="-120"/>
-              </a:rPr>
-              <a:t>意</a:t>
-            </a:r>
-            <a:endParaRPr lang="vi-VN" sz="5400" b="1" dirty="0">
+              <a:t>因為我並沒有   財寶和金銀</a:t>
+            </a:r>
+            <a:endParaRPr lang="en-US" altLang="zh-TW" sz="6400" b="1" dirty="0">
               <a:solidFill>
                 <a:srgbClr val="000066"/>
               </a:solidFill>
@@ -4149,12 +3819,506 @@
               <a:ea typeface="Microsoft JhengHei" panose="020B0604030504040204" pitchFamily="34" charset="-120"/>
             </a:endParaRPr>
           </a:p>
+          <a:p>
+            <a:pPr marL="0" indent="0" algn="ctr">
+              <a:buNone/>
+            </a:pPr>
+            <a:r>
+              <a:rPr lang="zh-TW" altLang="en-US" sz="6400" b="1" dirty="0">
+                <a:solidFill>
+                  <a:srgbClr val="000066"/>
+                </a:solidFill>
+                <a:latin typeface="Microsoft JhengHei" panose="020B0604030504040204" pitchFamily="34" charset="-120"/>
+                <a:ea typeface="Microsoft JhengHei" panose="020B0604030504040204" pitchFamily="34" charset="-120"/>
+              </a:rPr>
+              <a:t>能夠獻給</a:t>
+            </a:r>
+            <a:r>
+              <a:rPr lang="zh-CN" altLang="en-US" sz="6400" b="1" dirty="0">
+                <a:solidFill>
+                  <a:srgbClr val="000066"/>
+                </a:solidFill>
+                <a:latin typeface="Microsoft JhengHei" panose="020B0604030504040204" pitchFamily="34" charset="-120"/>
+                <a:ea typeface="Microsoft JhengHei" panose="020B0604030504040204" pitchFamily="34" charset="-120"/>
+              </a:rPr>
+              <a:t>袮   </a:t>
+            </a:r>
+            <a:r>
+              <a:rPr lang="zh-TW" altLang="en-US" sz="6400" b="1" dirty="0">
+                <a:solidFill>
+                  <a:srgbClr val="000066"/>
+                </a:solidFill>
+                <a:latin typeface="Microsoft JhengHei" panose="020B0604030504040204" pitchFamily="34" charset="-120"/>
+                <a:ea typeface="Microsoft JhengHei" panose="020B0604030504040204" pitchFamily="34" charset="-120"/>
+              </a:rPr>
+              <a:t>唯有我的心</a:t>
+            </a:r>
+            <a:endParaRPr lang="vi-VN" sz="6400" b="1" dirty="0">
+              <a:solidFill>
+                <a:srgbClr val="000066"/>
+              </a:solidFill>
+              <a:latin typeface="Microsoft JhengHei" panose="020B0604030504040204" pitchFamily="34" charset="-120"/>
+              <a:ea typeface="Microsoft JhengHei" panose="020B0604030504040204" pitchFamily="34" charset="-120"/>
+            </a:endParaRPr>
+          </a:p>
+        </p:txBody>
+      </p:sp>
+      <p:sp>
+        <p:nvSpPr>
+          <p:cNvPr id="4" name="TextBox 3"/>
+          <p:cNvSpPr txBox="1"/>
+          <p:nvPr/>
+        </p:nvSpPr>
+        <p:spPr>
+          <a:xfrm>
+            <a:off x="0" y="5061182"/>
+            <a:ext cx="12192000" cy="830997"/>
+          </a:xfrm>
+          <a:prstGeom prst="rect">
+            <a:avLst/>
+          </a:prstGeom>
+          <a:noFill/>
+        </p:spPr>
+        <p:txBody>
+          <a:bodyPr wrap="square" rtlCol="0">
+            <a:spAutoFit/>
+          </a:bodyPr>
+          <a:lstStyle/>
+          <a:p>
+            <a:pPr algn="ctr"/>
+            <a:r>
+              <a:rPr lang="en-US" sz="4800" b="1" dirty="0">
+                <a:solidFill>
+                  <a:srgbClr val="000066"/>
+                </a:solidFill>
+                <a:effectLst/>
+                <a:latin typeface="Microsoft JhengHei" panose="020B0604030504040204" pitchFamily="34" charset="-120"/>
+                <a:ea typeface="Microsoft JhengHei" panose="020B0604030504040204" pitchFamily="34" charset="-120"/>
+              </a:rPr>
+              <a:t>( </a:t>
+            </a:r>
+            <a:r>
+              <a:rPr lang="zh-CN" altLang="en-US" sz="4800" b="1" dirty="0">
+                <a:solidFill>
+                  <a:srgbClr val="000066"/>
+                </a:solidFill>
+                <a:effectLst/>
+                <a:latin typeface="Microsoft JhengHei" panose="020B0604030504040204" pitchFamily="34" charset="-120"/>
+                <a:ea typeface="Microsoft JhengHei" panose="020B0604030504040204" pitchFamily="34" charset="-120"/>
+              </a:rPr>
+              <a:t>副</a:t>
+            </a:r>
+            <a:r>
+              <a:rPr lang="en-US" sz="4800" b="1" dirty="0">
+                <a:solidFill>
+                  <a:srgbClr val="000066"/>
+                </a:solidFill>
+                <a:effectLst/>
+                <a:latin typeface="Microsoft JhengHei" panose="020B0604030504040204" pitchFamily="34" charset="-120"/>
+                <a:ea typeface="Microsoft JhengHei" panose="020B0604030504040204" pitchFamily="34" charset="-120"/>
+              </a:rPr>
+              <a:t> )</a:t>
+            </a:r>
+            <a:endParaRPr lang="vi-VN" sz="4800" b="1" dirty="0">
+              <a:solidFill>
+                <a:srgbClr val="000066"/>
+              </a:solidFill>
+              <a:effectLst/>
+              <a:ea typeface="Microsoft JhengHei" panose="020B0604030504040204" pitchFamily="34" charset="-120"/>
+            </a:endParaRPr>
+          </a:p>
         </p:txBody>
       </p:sp>
     </p:spTree>
     <p:extLst>
       <p:ext uri="{BB962C8B-B14F-4D97-AF65-F5344CB8AC3E}">
-        <p14:creationId xmlns:p14="http://schemas.microsoft.com/office/powerpoint/2010/main" val="1611603778"/>
+        <p14:creationId xmlns:p14="http://schemas.microsoft.com/office/powerpoint/2010/main" val="1475262917"/>
+      </p:ext>
+    </p:extLst>
+  </p:cSld>
+  <p:clrMapOvr>
+    <a:masterClrMapping/>
+  </p:clrMapOvr>
+</p:sld>
+</file>
+
+<file path=ppt/slides/slide6.xml><?xml version="1.0" encoding="utf-8"?>
+<p:sld xmlns:a="http://schemas.openxmlformats.org/drawingml/2006/main" xmlns:r="http://schemas.openxmlformats.org/officeDocument/2006/relationships" xmlns:p="http://schemas.openxmlformats.org/presentationml/2006/main">
+  <p:cSld>
+    <p:spTree>
+      <p:nvGrpSpPr>
+        <p:cNvPr id="1" name=""/>
+        <p:cNvGrpSpPr/>
+        <p:nvPr/>
+      </p:nvGrpSpPr>
+      <p:grpSpPr>
+        <a:xfrm>
+          <a:off x="0" y="0"/>
+          <a:ext cx="0" cy="0"/>
+          <a:chOff x="0" y="0"/>
+          <a:chExt cx="0" cy="0"/>
+        </a:xfrm>
+      </p:grpSpPr>
+      <p:sp>
+        <p:nvSpPr>
+          <p:cNvPr id="5" name="內容版面配置區 4"/>
+          <p:cNvSpPr>
+            <a:spLocks noGrp="1"/>
+          </p:cNvSpPr>
+          <p:nvPr>
+            <p:ph idx="1"/>
+          </p:nvPr>
+        </p:nvSpPr>
+        <p:spPr>
+          <a:xfrm>
+            <a:off x="0" y="2084851"/>
+            <a:ext cx="12192000" cy="2404863"/>
+          </a:xfrm>
+        </p:spPr>
+        <p:txBody>
+          <a:bodyPr anchor="ctr">
+            <a:normAutofit/>
+          </a:bodyPr>
+          <a:lstStyle/>
+          <a:p>
+            <a:pPr marL="0" indent="0" algn="ctr">
+              <a:buNone/>
+            </a:pPr>
+            <a:r>
+              <a:rPr lang="zh-TW" altLang="en-US" sz="6400" b="1" dirty="0">
+                <a:solidFill>
+                  <a:srgbClr val="000066"/>
+                </a:solidFill>
+                <a:latin typeface="Microsoft JhengHei" panose="020B0604030504040204" pitchFamily="34" charset="-120"/>
+                <a:ea typeface="Microsoft JhengHei" panose="020B0604030504040204" pitchFamily="34" charset="-120"/>
+              </a:rPr>
+              <a:t>我唯一禱告   唯一的呼求</a:t>
+            </a:r>
+            <a:endParaRPr lang="en-US" altLang="zh-TW" sz="6400" b="1" dirty="0">
+              <a:solidFill>
+                <a:srgbClr val="000066"/>
+              </a:solidFill>
+              <a:latin typeface="Microsoft JhengHei" panose="020B0604030504040204" pitchFamily="34" charset="-120"/>
+              <a:ea typeface="Microsoft JhengHei" panose="020B0604030504040204" pitchFamily="34" charset="-120"/>
+            </a:endParaRPr>
+          </a:p>
+          <a:p>
+            <a:pPr marL="0" indent="0" algn="ctr">
+              <a:buNone/>
+            </a:pPr>
+            <a:r>
+              <a:rPr lang="zh-TW" altLang="en-US" sz="6400" b="1" dirty="0">
+                <a:solidFill>
+                  <a:srgbClr val="000066"/>
+                </a:solidFill>
+                <a:latin typeface="Microsoft JhengHei" panose="020B0604030504040204" pitchFamily="34" charset="-120"/>
+                <a:ea typeface="Microsoft JhengHei" panose="020B0604030504040204" pitchFamily="34" charset="-120"/>
+              </a:rPr>
+              <a:t>是</a:t>
+            </a:r>
+            <a:r>
+              <a:rPr lang="zh-CN" altLang="en-US" sz="6400" b="1" dirty="0">
+                <a:solidFill>
+                  <a:srgbClr val="000066"/>
+                </a:solidFill>
+                <a:latin typeface="Microsoft JhengHei" panose="020B0604030504040204" pitchFamily="34" charset="-120"/>
+                <a:ea typeface="Microsoft JhengHei" panose="020B0604030504040204" pitchFamily="34" charset="-120"/>
+              </a:rPr>
+              <a:t>袮</a:t>
+            </a:r>
+            <a:r>
+              <a:rPr lang="zh-TW" altLang="en-US" sz="6400" b="1" dirty="0">
+                <a:solidFill>
+                  <a:srgbClr val="000066"/>
+                </a:solidFill>
+                <a:latin typeface="Microsoft JhengHei" panose="020B0604030504040204" pitchFamily="34" charset="-120"/>
+                <a:ea typeface="Microsoft JhengHei" panose="020B0604030504040204" pitchFamily="34" charset="-120"/>
+              </a:rPr>
+              <a:t>能悅納我   獻上的全所有</a:t>
+            </a:r>
+            <a:endParaRPr lang="vi-VN" sz="6400" b="1" dirty="0">
+              <a:solidFill>
+                <a:srgbClr val="000066"/>
+              </a:solidFill>
+              <a:latin typeface="Microsoft JhengHei" panose="020B0604030504040204" pitchFamily="34" charset="-120"/>
+              <a:ea typeface="Microsoft JhengHei" panose="020B0604030504040204" pitchFamily="34" charset="-120"/>
+            </a:endParaRPr>
+          </a:p>
+        </p:txBody>
+      </p:sp>
+      <p:sp>
+        <p:nvSpPr>
+          <p:cNvPr id="4" name="TextBox 3"/>
+          <p:cNvSpPr txBox="1"/>
+          <p:nvPr/>
+        </p:nvSpPr>
+        <p:spPr>
+          <a:xfrm>
+            <a:off x="0" y="5061182"/>
+            <a:ext cx="12192000" cy="830997"/>
+          </a:xfrm>
+          <a:prstGeom prst="rect">
+            <a:avLst/>
+          </a:prstGeom>
+          <a:noFill/>
+        </p:spPr>
+        <p:txBody>
+          <a:bodyPr wrap="square" rtlCol="0">
+            <a:spAutoFit/>
+          </a:bodyPr>
+          <a:lstStyle/>
+          <a:p>
+            <a:pPr algn="ctr"/>
+            <a:r>
+              <a:rPr lang="en-US" sz="4800" b="1" dirty="0">
+                <a:solidFill>
+                  <a:srgbClr val="000066"/>
+                </a:solidFill>
+                <a:effectLst/>
+                <a:latin typeface="Microsoft JhengHei" panose="020B0604030504040204" pitchFamily="34" charset="-120"/>
+                <a:ea typeface="Microsoft JhengHei" panose="020B0604030504040204" pitchFamily="34" charset="-120"/>
+              </a:rPr>
+              <a:t>( </a:t>
+            </a:r>
+            <a:r>
+              <a:rPr lang="zh-CN" altLang="en-US" sz="4800" b="1" dirty="0">
+                <a:solidFill>
+                  <a:srgbClr val="000066"/>
+                </a:solidFill>
+                <a:effectLst/>
+                <a:latin typeface="Microsoft JhengHei" panose="020B0604030504040204" pitchFamily="34" charset="-120"/>
+                <a:ea typeface="Microsoft JhengHei" panose="020B0604030504040204" pitchFamily="34" charset="-120"/>
+              </a:rPr>
+              <a:t>副</a:t>
+            </a:r>
+            <a:r>
+              <a:rPr lang="en-US" sz="4800" b="1" dirty="0">
+                <a:solidFill>
+                  <a:srgbClr val="000066"/>
+                </a:solidFill>
+                <a:effectLst/>
+                <a:latin typeface="Microsoft JhengHei" panose="020B0604030504040204" pitchFamily="34" charset="-120"/>
+                <a:ea typeface="Microsoft JhengHei" panose="020B0604030504040204" pitchFamily="34" charset="-120"/>
+              </a:rPr>
+              <a:t> )</a:t>
+            </a:r>
+            <a:endParaRPr lang="vi-VN" sz="4800" b="1" dirty="0">
+              <a:solidFill>
+                <a:srgbClr val="000066"/>
+              </a:solidFill>
+              <a:effectLst/>
+              <a:ea typeface="Microsoft JhengHei" panose="020B0604030504040204" pitchFamily="34" charset="-120"/>
+            </a:endParaRPr>
+          </a:p>
+        </p:txBody>
+      </p:sp>
+    </p:spTree>
+    <p:extLst>
+      <p:ext uri="{BB962C8B-B14F-4D97-AF65-F5344CB8AC3E}">
+        <p14:creationId xmlns:p14="http://schemas.microsoft.com/office/powerpoint/2010/main" val="2709699291"/>
+      </p:ext>
+    </p:extLst>
+  </p:cSld>
+  <p:clrMapOvr>
+    <a:masterClrMapping/>
+  </p:clrMapOvr>
+</p:sld>
+</file>
+
+<file path=ppt/slides/slide7.xml><?xml version="1.0" encoding="utf-8"?>
+<p:sld xmlns:a="http://schemas.openxmlformats.org/drawingml/2006/main" xmlns:r="http://schemas.openxmlformats.org/officeDocument/2006/relationships" xmlns:p="http://schemas.openxmlformats.org/presentationml/2006/main">
+  <p:cSld>
+    <p:spTree>
+      <p:nvGrpSpPr>
+        <p:cNvPr id="1" name=""/>
+        <p:cNvGrpSpPr/>
+        <p:nvPr/>
+      </p:nvGrpSpPr>
+      <p:grpSpPr>
+        <a:xfrm>
+          <a:off x="0" y="0"/>
+          <a:ext cx="0" cy="0"/>
+          <a:chOff x="0" y="0"/>
+          <a:chExt cx="0" cy="0"/>
+        </a:xfrm>
+      </p:grpSpPr>
+      <p:sp>
+        <p:nvSpPr>
+          <p:cNvPr id="5" name="內容版面配置區 4"/>
+          <p:cNvSpPr>
+            <a:spLocks noGrp="1"/>
+          </p:cNvSpPr>
+          <p:nvPr>
+            <p:ph idx="1"/>
+          </p:nvPr>
+        </p:nvSpPr>
+        <p:spPr>
+          <a:xfrm>
+            <a:off x="0" y="2084851"/>
+            <a:ext cx="12192000" cy="2404863"/>
+          </a:xfrm>
+        </p:spPr>
+        <p:txBody>
+          <a:bodyPr anchor="ctr">
+            <a:normAutofit/>
+          </a:bodyPr>
+          <a:lstStyle/>
+          <a:p>
+            <a:pPr marL="0" indent="0" algn="ctr">
+              <a:buNone/>
+            </a:pPr>
+            <a:r>
+              <a:rPr lang="zh-TW" altLang="en-US" sz="6400" b="1" dirty="0">
+                <a:solidFill>
+                  <a:srgbClr val="000066"/>
+                </a:solidFill>
+                <a:latin typeface="Microsoft JhengHei" panose="020B0604030504040204" pitchFamily="34" charset="-120"/>
+                <a:ea typeface="Microsoft JhengHei" panose="020B0604030504040204" pitchFamily="34" charset="-120"/>
+              </a:rPr>
+              <a:t>願我這一生   成為</a:t>
+            </a:r>
+            <a:r>
+              <a:rPr lang="zh-CN" altLang="en-US" sz="6400" b="1" dirty="0">
+                <a:solidFill>
+                  <a:srgbClr val="000066"/>
+                </a:solidFill>
+                <a:latin typeface="Microsoft JhengHei" panose="020B0604030504040204" pitchFamily="34" charset="-120"/>
+                <a:ea typeface="Microsoft JhengHei" panose="020B0604030504040204" pitchFamily="34" charset="-120"/>
+              </a:rPr>
+              <a:t>袮</a:t>
+            </a:r>
+            <a:r>
+              <a:rPr lang="zh-TW" altLang="en-US" sz="6400" b="1" dirty="0">
+                <a:solidFill>
+                  <a:srgbClr val="000066"/>
+                </a:solidFill>
+                <a:latin typeface="Microsoft JhengHei" panose="020B0604030504040204" pitchFamily="34" charset="-120"/>
+                <a:ea typeface="Microsoft JhengHei" panose="020B0604030504040204" pitchFamily="34" charset="-120"/>
+              </a:rPr>
+              <a:t>器皿</a:t>
+            </a:r>
+            <a:endParaRPr lang="en-US" altLang="zh-TW" sz="6400" b="1" dirty="0">
+              <a:solidFill>
+                <a:srgbClr val="000066"/>
+              </a:solidFill>
+              <a:latin typeface="Microsoft JhengHei" panose="020B0604030504040204" pitchFamily="34" charset="-120"/>
+              <a:ea typeface="Microsoft JhengHei" panose="020B0604030504040204" pitchFamily="34" charset="-120"/>
+            </a:endParaRPr>
+          </a:p>
+          <a:p>
+            <a:pPr marL="0" indent="0" algn="ctr">
+              <a:buNone/>
+            </a:pPr>
+            <a:r>
+              <a:rPr lang="zh-TW" altLang="en-US" sz="6400" b="1" dirty="0">
+                <a:solidFill>
+                  <a:srgbClr val="000066"/>
+                </a:solidFill>
+                <a:latin typeface="Microsoft JhengHei" panose="020B0604030504040204" pitchFamily="34" charset="-120"/>
+                <a:ea typeface="Microsoft JhengHei" panose="020B0604030504040204" pitchFamily="34" charset="-120"/>
+              </a:rPr>
+              <a:t>來完成</a:t>
+            </a:r>
+            <a:r>
+              <a:rPr lang="zh-CN" altLang="en-US" sz="6400" b="1" dirty="0">
+                <a:solidFill>
+                  <a:srgbClr val="000066"/>
+                </a:solidFill>
+                <a:latin typeface="Microsoft JhengHei" panose="020B0604030504040204" pitchFamily="34" charset="-120"/>
+                <a:ea typeface="Microsoft JhengHei" panose="020B0604030504040204" pitchFamily="34" charset="-120"/>
+              </a:rPr>
+              <a:t>袮</a:t>
+            </a:r>
+            <a:r>
+              <a:rPr lang="zh-TW" altLang="en-US" sz="6400" b="1" dirty="0">
+                <a:solidFill>
+                  <a:srgbClr val="000066"/>
+                </a:solidFill>
+                <a:latin typeface="Microsoft JhengHei" panose="020B0604030504040204" pitchFamily="34" charset="-120"/>
+                <a:ea typeface="Microsoft JhengHei" panose="020B0604030504040204" pitchFamily="34" charset="-120"/>
+              </a:rPr>
+              <a:t>旨意</a:t>
+            </a:r>
+            <a:endParaRPr lang="vi-VN" sz="6400" b="1" dirty="0">
+              <a:solidFill>
+                <a:srgbClr val="000066"/>
+              </a:solidFill>
+              <a:latin typeface="Microsoft JhengHei" panose="020B0604030504040204" pitchFamily="34" charset="-120"/>
+              <a:ea typeface="Microsoft JhengHei" panose="020B0604030504040204" pitchFamily="34" charset="-120"/>
+            </a:endParaRPr>
+          </a:p>
+        </p:txBody>
+      </p:sp>
+      <p:sp>
+        <p:nvSpPr>
+          <p:cNvPr id="4" name="TextBox 3"/>
+          <p:cNvSpPr txBox="1"/>
+          <p:nvPr/>
+        </p:nvSpPr>
+        <p:spPr>
+          <a:xfrm>
+            <a:off x="0" y="5061182"/>
+            <a:ext cx="12192000" cy="830997"/>
+          </a:xfrm>
+          <a:prstGeom prst="rect">
+            <a:avLst/>
+          </a:prstGeom>
+          <a:noFill/>
+        </p:spPr>
+        <p:txBody>
+          <a:bodyPr wrap="square" rtlCol="0">
+            <a:spAutoFit/>
+          </a:bodyPr>
+          <a:lstStyle/>
+          <a:p>
+            <a:pPr algn="ctr"/>
+            <a:r>
+              <a:rPr lang="en-US" sz="4800" b="1" dirty="0">
+                <a:solidFill>
+                  <a:srgbClr val="000066"/>
+                </a:solidFill>
+                <a:effectLst/>
+                <a:latin typeface="Microsoft JhengHei" panose="020B0604030504040204" pitchFamily="34" charset="-120"/>
+                <a:ea typeface="Microsoft JhengHei" panose="020B0604030504040204" pitchFamily="34" charset="-120"/>
+              </a:rPr>
+              <a:t>( </a:t>
+            </a:r>
+            <a:r>
+              <a:rPr lang="zh-CN" altLang="en-US" sz="4800" b="1" dirty="0">
+                <a:solidFill>
+                  <a:srgbClr val="000066"/>
+                </a:solidFill>
+                <a:effectLst/>
+                <a:latin typeface="Microsoft JhengHei" panose="020B0604030504040204" pitchFamily="34" charset="-120"/>
+                <a:ea typeface="Microsoft JhengHei" panose="020B0604030504040204" pitchFamily="34" charset="-120"/>
+              </a:rPr>
+              <a:t>副</a:t>
+            </a:r>
+            <a:r>
+              <a:rPr lang="en-US" sz="4800" b="1" dirty="0">
+                <a:solidFill>
+                  <a:srgbClr val="000066"/>
+                </a:solidFill>
+                <a:effectLst/>
+                <a:latin typeface="Microsoft JhengHei" panose="020B0604030504040204" pitchFamily="34" charset="-120"/>
+                <a:ea typeface="Microsoft JhengHei" panose="020B0604030504040204" pitchFamily="34" charset="-120"/>
+              </a:rPr>
+              <a:t> )</a:t>
+            </a:r>
+            <a:endParaRPr lang="vi-VN" sz="4800" b="1" dirty="0">
+              <a:solidFill>
+                <a:srgbClr val="000066"/>
+              </a:solidFill>
+              <a:effectLst/>
+              <a:ea typeface="Microsoft JhengHei" panose="020B0604030504040204" pitchFamily="34" charset="-120"/>
+            </a:endParaRPr>
+          </a:p>
+        </p:txBody>
+      </p:sp>
+    </p:spTree>
+    <p:extLst>
+      <p:ext uri="{BB962C8B-B14F-4D97-AF65-F5344CB8AC3E}">
+        <p14:creationId xmlns:p14="http://schemas.microsoft.com/office/powerpoint/2010/main" val="769876168"/>
       </p:ext>
     </p:extLst>
   </p:cSld>

--- a/我心屬於你.pptx
+++ b/我心屬於你.pptx
@@ -299,7 +299,7 @@
           <a:p>
             <a:fld id="{19857568-86E9-46C2-8263-598A83485148}" type="datetimeFigureOut">
               <a:rPr lang="vi-VN" smtClean="0"/>
-              <a:t>15/10/2021</a:t>
+              <a:t>22/04/2023</a:t>
             </a:fld>
             <a:endParaRPr lang="vi-VN"/>
           </a:p>
@@ -469,7 +469,7 @@
           <a:p>
             <a:fld id="{19857568-86E9-46C2-8263-598A83485148}" type="datetimeFigureOut">
               <a:rPr lang="vi-VN" smtClean="0"/>
-              <a:t>15/10/2021</a:t>
+              <a:t>22/04/2023</a:t>
             </a:fld>
             <a:endParaRPr lang="vi-VN"/>
           </a:p>
@@ -649,7 +649,7 @@
           <a:p>
             <a:fld id="{19857568-86E9-46C2-8263-598A83485148}" type="datetimeFigureOut">
               <a:rPr lang="vi-VN" smtClean="0"/>
-              <a:t>15/10/2021</a:t>
+              <a:t>22/04/2023</a:t>
             </a:fld>
             <a:endParaRPr lang="vi-VN"/>
           </a:p>
@@ -819,7 +819,7 @@
           <a:p>
             <a:fld id="{19857568-86E9-46C2-8263-598A83485148}" type="datetimeFigureOut">
               <a:rPr lang="vi-VN" smtClean="0"/>
-              <a:t>15/10/2021</a:t>
+              <a:t>22/04/2023</a:t>
             </a:fld>
             <a:endParaRPr lang="vi-VN"/>
           </a:p>
@@ -1065,7 +1065,7 @@
           <a:p>
             <a:fld id="{19857568-86E9-46C2-8263-598A83485148}" type="datetimeFigureOut">
               <a:rPr lang="vi-VN" smtClean="0"/>
-              <a:t>15/10/2021</a:t>
+              <a:t>22/04/2023</a:t>
             </a:fld>
             <a:endParaRPr lang="vi-VN"/>
           </a:p>
@@ -1353,7 +1353,7 @@
           <a:p>
             <a:fld id="{19857568-86E9-46C2-8263-598A83485148}" type="datetimeFigureOut">
               <a:rPr lang="vi-VN" smtClean="0"/>
-              <a:t>15/10/2021</a:t>
+              <a:t>22/04/2023</a:t>
             </a:fld>
             <a:endParaRPr lang="vi-VN"/>
           </a:p>
@@ -1775,7 +1775,7 @@
           <a:p>
             <a:fld id="{19857568-86E9-46C2-8263-598A83485148}" type="datetimeFigureOut">
               <a:rPr lang="vi-VN" smtClean="0"/>
-              <a:t>15/10/2021</a:t>
+              <a:t>22/04/2023</a:t>
             </a:fld>
             <a:endParaRPr lang="vi-VN"/>
           </a:p>
@@ -1893,7 +1893,7 @@
           <a:p>
             <a:fld id="{19857568-86E9-46C2-8263-598A83485148}" type="datetimeFigureOut">
               <a:rPr lang="vi-VN" smtClean="0"/>
-              <a:t>15/10/2021</a:t>
+              <a:t>22/04/2023</a:t>
             </a:fld>
             <a:endParaRPr lang="vi-VN"/>
           </a:p>
@@ -1988,7 +1988,7 @@
           <a:p>
             <a:fld id="{19857568-86E9-46C2-8263-598A83485148}" type="datetimeFigureOut">
               <a:rPr lang="vi-VN" smtClean="0"/>
-              <a:t>15/10/2021</a:t>
+              <a:t>22/04/2023</a:t>
             </a:fld>
             <a:endParaRPr lang="vi-VN"/>
           </a:p>
@@ -2265,7 +2265,7 @@
           <a:p>
             <a:fld id="{19857568-86E9-46C2-8263-598A83485148}" type="datetimeFigureOut">
               <a:rPr lang="vi-VN" smtClean="0"/>
-              <a:t>15/10/2021</a:t>
+              <a:t>22/04/2023</a:t>
             </a:fld>
             <a:endParaRPr lang="vi-VN"/>
           </a:p>
@@ -2522,7 +2522,7 @@
           <a:p>
             <a:fld id="{19857568-86E9-46C2-8263-598A83485148}" type="datetimeFigureOut">
               <a:rPr lang="vi-VN" smtClean="0"/>
-              <a:t>15/10/2021</a:t>
+              <a:t>22/04/2023</a:t>
             </a:fld>
             <a:endParaRPr lang="vi-VN"/>
           </a:p>
@@ -2740,7 +2740,7 @@
           <a:p>
             <a:fld id="{19857568-86E9-46C2-8263-598A83485148}" type="datetimeFigureOut">
               <a:rPr lang="vi-VN" smtClean="0"/>
-              <a:t>15/10/2021</a:t>
+              <a:t>22/04/2023</a:t>
             </a:fld>
             <a:endParaRPr lang="vi-VN"/>
           </a:p>
@@ -3152,7 +3152,7 @@
                 <a:latin typeface="微軟正黑體" pitchFamily="34" charset="-120"/>
                 <a:ea typeface="微軟正黑體" pitchFamily="34" charset="-120"/>
               </a:rPr>
-              <a:t>我</a:t>
+              <a:t>我心屬</a:t>
             </a:r>
             <a:r>
               <a:rPr lang="zh-CN" altLang="en-US" sz="7200" b="1" i="1" dirty="0">
@@ -3169,7 +3169,7 @@
                 <a:latin typeface="微軟正黑體" pitchFamily="34" charset="-120"/>
                 <a:ea typeface="微軟正黑體" pitchFamily="34" charset="-120"/>
               </a:rPr>
-              <a:t>心屬於袮</a:t>
+              <a:t>於祢</a:t>
             </a:r>
             <a:endParaRPr lang="zh-TW" altLang="en-US" sz="7200" b="1" i="1" dirty="0">
               <a:solidFill>
@@ -3251,7 +3251,17 @@
                 <a:latin typeface="Microsoft JhengHei" panose="020B0604030504040204" pitchFamily="34" charset="-120"/>
                 <a:ea typeface="Microsoft JhengHei" panose="020B0604030504040204" pitchFamily="34" charset="-120"/>
               </a:rPr>
-              <a:t>我來到</a:t>
+              <a:t>我</a:t>
+            </a:r>
+            <a:r>
+              <a:rPr lang="zh-TW" altLang="en-US" sz="6400" b="1" dirty="0" smtClean="0">
+                <a:solidFill>
+                  <a:srgbClr val="000066"/>
+                </a:solidFill>
+                <a:latin typeface="Microsoft JhengHei" panose="020B0604030504040204" pitchFamily="34" charset="-120"/>
+                <a:ea typeface="Microsoft JhengHei" panose="020B0604030504040204" pitchFamily="34" charset="-120"/>
+              </a:rPr>
+              <a:t>來到</a:t>
             </a:r>
             <a:r>
               <a:rPr lang="zh-CN" altLang="en-US" sz="6400" b="1" dirty="0">
@@ -3261,7 +3271,17 @@
                 <a:latin typeface="Microsoft JhengHei" panose="020B0604030504040204" pitchFamily="34" charset="-120"/>
                 <a:ea typeface="Microsoft JhengHei" panose="020B0604030504040204" pitchFamily="34" charset="-120"/>
               </a:rPr>
-              <a:t>袮</a:t>
+              <a:t>祢</a:t>
+            </a:r>
+            <a:r>
+              <a:rPr lang="zh-TW" altLang="en-US" sz="6400" b="1" dirty="0" smtClean="0">
+                <a:solidFill>
+                  <a:srgbClr val="000066"/>
+                </a:solidFill>
+                <a:latin typeface="Microsoft JhengHei" panose="020B0604030504040204" pitchFamily="34" charset="-120"/>
+                <a:ea typeface="Microsoft JhengHei" panose="020B0604030504040204" pitchFamily="34" charset="-120"/>
+              </a:rPr>
+              <a:t>面</a:t>
             </a:r>
             <a:r>
               <a:rPr lang="zh-TW" altLang="en-US" sz="6400" b="1" dirty="0">
@@ -3271,7 +3291,7 @@
                 <a:latin typeface="Microsoft JhengHei" panose="020B0604030504040204" pitchFamily="34" charset="-120"/>
                 <a:ea typeface="Microsoft JhengHei" panose="020B0604030504040204" pitchFamily="34" charset="-120"/>
               </a:rPr>
-              <a:t>面前</a:t>
+              <a:t>前</a:t>
             </a:r>
             <a:endParaRPr lang="en-US" altLang="zh-TW" sz="6400" b="1" dirty="0">
               <a:solidFill>
@@ -3293,7 +3313,17 @@
                 <a:latin typeface="Microsoft JhengHei" panose="020B0604030504040204" pitchFamily="34" charset="-120"/>
                 <a:ea typeface="Microsoft JhengHei" panose="020B0604030504040204" pitchFamily="34" charset="-120"/>
               </a:rPr>
-              <a:t>全心向</a:t>
+              <a:t>全心</a:t>
+            </a:r>
+            <a:r>
+              <a:rPr lang="zh-TW" altLang="en-US" sz="6400" b="1" dirty="0" smtClean="0">
+                <a:solidFill>
+                  <a:srgbClr val="000066"/>
+                </a:solidFill>
+                <a:latin typeface="Microsoft JhengHei" panose="020B0604030504040204" pitchFamily="34" charset="-120"/>
+                <a:ea typeface="Microsoft JhengHei" panose="020B0604030504040204" pitchFamily="34" charset="-120"/>
+              </a:rPr>
+              <a:t>向</a:t>
             </a:r>
             <a:r>
               <a:rPr lang="zh-CN" altLang="en-US" sz="6400" b="1" dirty="0">
@@ -3303,7 +3333,17 @@
                 <a:latin typeface="Microsoft JhengHei" panose="020B0604030504040204" pitchFamily="34" charset="-120"/>
                 <a:ea typeface="Microsoft JhengHei" panose="020B0604030504040204" pitchFamily="34" charset="-120"/>
               </a:rPr>
-              <a:t>袮</a:t>
+              <a:t>祢</a:t>
+            </a:r>
+            <a:r>
+              <a:rPr lang="zh-TW" altLang="en-US" sz="6400" b="1" dirty="0" smtClean="0">
+                <a:solidFill>
+                  <a:srgbClr val="000066"/>
+                </a:solidFill>
+                <a:latin typeface="Microsoft JhengHei" panose="020B0604030504040204" pitchFamily="34" charset="-120"/>
+                <a:ea typeface="Microsoft JhengHei" panose="020B0604030504040204" pitchFamily="34" charset="-120"/>
+              </a:rPr>
+              <a:t>稱</a:t>
             </a:r>
             <a:r>
               <a:rPr lang="zh-TW" altLang="en-US" sz="6400" b="1" dirty="0">
@@ -3313,7 +3353,7 @@
                 <a:latin typeface="Microsoft JhengHei" panose="020B0604030504040204" pitchFamily="34" charset="-120"/>
                 <a:ea typeface="Microsoft JhengHei" panose="020B0604030504040204" pitchFamily="34" charset="-120"/>
               </a:rPr>
-              <a:t>稱謝  耶穌</a:t>
+              <a:t>謝  耶穌</a:t>
             </a:r>
             <a:endParaRPr lang="en-US" altLang="zh-TW" sz="6400" b="1" dirty="0">
               <a:solidFill>
@@ -3334,7 +3374,7 @@
         <p:spPr>
           <a:xfrm>
             <a:off x="0" y="5061182"/>
-            <a:ext cx="12192000" cy="830997"/>
+            <a:ext cx="12192000" cy="646331"/>
           </a:xfrm>
           <a:prstGeom prst="rect">
             <a:avLst/>
@@ -3349,7 +3389,7 @@
           <a:p>
             <a:pPr algn="ctr"/>
             <a:r>
-              <a:rPr lang="en-US" sz="4800" b="1" dirty="0">
+              <a:rPr lang="en-US" sz="3600" b="1" dirty="0">
                 <a:solidFill>
                   <a:srgbClr val="000066"/>
                 </a:solidFill>
@@ -3360,7 +3400,7 @@
               <a:t>( </a:t>
             </a:r>
             <a:r>
-              <a:rPr lang="zh-CN" altLang="en-US" sz="4800" b="1" dirty="0">
+              <a:rPr lang="zh-CN" altLang="en-US" sz="3600" b="1" dirty="0" smtClean="0">
                 <a:solidFill>
                   <a:srgbClr val="000066"/>
                 </a:solidFill>
@@ -3368,10 +3408,10 @@
                 <a:latin typeface="Microsoft JhengHei" panose="020B0604030504040204" pitchFamily="34" charset="-120"/>
                 <a:ea typeface="Microsoft JhengHei" panose="020B0604030504040204" pitchFamily="34" charset="-120"/>
               </a:rPr>
-              <a:t>正</a:t>
-            </a:r>
-            <a:r>
-              <a:rPr lang="en-US" sz="4800" b="1" dirty="0">
+              <a:t>正歌</a:t>
+            </a:r>
+            <a:r>
+              <a:rPr lang="en-US" sz="3600" b="1" dirty="0" smtClean="0">
                 <a:solidFill>
                   <a:srgbClr val="000066"/>
                 </a:solidFill>
@@ -3379,9 +3419,20 @@
                 <a:latin typeface="Microsoft JhengHei" panose="020B0604030504040204" pitchFamily="34" charset="-120"/>
                 <a:ea typeface="Microsoft JhengHei" panose="020B0604030504040204" pitchFamily="34" charset="-120"/>
               </a:rPr>
-              <a:t> )</a:t>
-            </a:r>
-            <a:endParaRPr lang="vi-VN" sz="4800" b="1" dirty="0">
+              <a:t> </a:t>
+            </a:r>
+            <a:r>
+              <a:rPr lang="en-US" sz="3600" b="1" dirty="0">
+                <a:solidFill>
+                  <a:srgbClr val="000066"/>
+                </a:solidFill>
+                <a:effectLst/>
+                <a:latin typeface="Microsoft JhengHei" panose="020B0604030504040204" pitchFamily="34" charset="-120"/>
+                <a:ea typeface="Microsoft JhengHei" panose="020B0604030504040204" pitchFamily="34" charset="-120"/>
+              </a:rPr>
+              <a:t>)</a:t>
+            </a:r>
+            <a:endParaRPr lang="vi-VN" sz="3600" b="1" dirty="0">
               <a:solidFill>
                 <a:srgbClr val="000066"/>
               </a:solidFill>
@@ -3454,7 +3505,17 @@
                 <a:latin typeface="Microsoft JhengHei" panose="020B0604030504040204" pitchFamily="34" charset="-120"/>
                 <a:ea typeface="Microsoft JhengHei" panose="020B0604030504040204" pitchFamily="34" charset="-120"/>
               </a:rPr>
-              <a:t>袮</a:t>
+              <a:t>祢</a:t>
+            </a:r>
+            <a:r>
+              <a:rPr lang="zh-TW" altLang="en-US" sz="6400" b="1" dirty="0" smtClean="0">
+                <a:solidFill>
+                  <a:srgbClr val="000066"/>
+                </a:solidFill>
+                <a:latin typeface="Microsoft JhengHei" panose="020B0604030504040204" pitchFamily="34" charset="-120"/>
+                <a:ea typeface="Microsoft JhengHei" panose="020B0604030504040204" pitchFamily="34" charset="-120"/>
+              </a:rPr>
+              <a:t>是</a:t>
             </a:r>
             <a:r>
               <a:rPr lang="zh-TW" altLang="en-US" sz="6400" b="1" dirty="0">
@@ -3464,7 +3525,7 @@
                 <a:latin typeface="Microsoft JhengHei" panose="020B0604030504040204" pitchFamily="34" charset="-120"/>
                 <a:ea typeface="Microsoft JhengHei" panose="020B0604030504040204" pitchFamily="34" charset="-120"/>
               </a:rPr>
-              <a:t>是如此愛我</a:t>
+              <a:t>如此愛我</a:t>
             </a:r>
             <a:endParaRPr lang="en-US" altLang="zh-TW" sz="6400" b="1" dirty="0">
               <a:solidFill>
@@ -3486,7 +3547,17 @@
                 <a:latin typeface="Microsoft JhengHei" panose="020B0604030504040204" pitchFamily="34" charset="-120"/>
                 <a:ea typeface="Microsoft JhengHei" panose="020B0604030504040204" pitchFamily="34" charset="-120"/>
               </a:rPr>
-              <a:t>我單單屬於</a:t>
+              <a:t>我單單屬</a:t>
+            </a:r>
+            <a:r>
+              <a:rPr lang="zh-TW" altLang="en-US" sz="6400" b="1" dirty="0" smtClean="0">
+                <a:solidFill>
+                  <a:srgbClr val="000066"/>
+                </a:solidFill>
+                <a:latin typeface="Microsoft JhengHei" panose="020B0604030504040204" pitchFamily="34" charset="-120"/>
+                <a:ea typeface="Microsoft JhengHei" panose="020B0604030504040204" pitchFamily="34" charset="-120"/>
+              </a:rPr>
+              <a:t>於</a:t>
             </a:r>
             <a:r>
               <a:rPr lang="zh-CN" altLang="en-US" sz="6400" b="1" dirty="0">
@@ -3496,7 +3567,7 @@
                 <a:latin typeface="Microsoft JhengHei" panose="020B0604030504040204" pitchFamily="34" charset="-120"/>
                 <a:ea typeface="Microsoft JhengHei" panose="020B0604030504040204" pitchFamily="34" charset="-120"/>
               </a:rPr>
-              <a:t>袮</a:t>
+              <a:t>祢</a:t>
             </a:r>
             <a:endParaRPr lang="vi-VN" sz="6400" b="1" dirty="0">
               <a:solidFill>
@@ -3516,7 +3587,7 @@
         <p:spPr>
           <a:xfrm>
             <a:off x="0" y="5061182"/>
-            <a:ext cx="12192000" cy="830997"/>
+            <a:ext cx="12192000" cy="646331"/>
           </a:xfrm>
           <a:prstGeom prst="rect">
             <a:avLst/>
@@ -3531,43 +3602,39 @@
           <a:p>
             <a:pPr algn="ctr"/>
             <a:r>
-              <a:rPr lang="en-US" sz="4800" b="1" dirty="0">
-                <a:solidFill>
-                  <a:srgbClr val="000066"/>
-                </a:solidFill>
-                <a:effectLst/>
+              <a:rPr lang="en-US" sz="3600" b="1" dirty="0">
+                <a:solidFill>
+                  <a:srgbClr val="000066"/>
+                </a:solidFill>
                 <a:latin typeface="Microsoft JhengHei" panose="020B0604030504040204" pitchFamily="34" charset="-120"/>
                 <a:ea typeface="Microsoft JhengHei" panose="020B0604030504040204" pitchFamily="34" charset="-120"/>
               </a:rPr>
               <a:t>( </a:t>
             </a:r>
             <a:r>
-              <a:rPr lang="zh-CN" altLang="en-US" sz="4800" b="1" dirty="0">
-                <a:solidFill>
-                  <a:srgbClr val="000066"/>
-                </a:solidFill>
-                <a:effectLst/>
-                <a:latin typeface="Microsoft JhengHei" panose="020B0604030504040204" pitchFamily="34" charset="-120"/>
-                <a:ea typeface="Microsoft JhengHei" panose="020B0604030504040204" pitchFamily="34" charset="-120"/>
-              </a:rPr>
-              <a:t>正</a:t>
-            </a:r>
-            <a:r>
-              <a:rPr lang="en-US" sz="4800" b="1" dirty="0">
-                <a:solidFill>
-                  <a:srgbClr val="000066"/>
-                </a:solidFill>
-                <a:effectLst/>
+              <a:rPr lang="zh-CN" altLang="en-US" sz="3600" b="1" dirty="0">
+                <a:solidFill>
+                  <a:srgbClr val="000066"/>
+                </a:solidFill>
+                <a:latin typeface="Microsoft JhengHei" panose="020B0604030504040204" pitchFamily="34" charset="-120"/>
+                <a:ea typeface="Microsoft JhengHei" panose="020B0604030504040204" pitchFamily="34" charset="-120"/>
+              </a:rPr>
+              <a:t>正歌</a:t>
+            </a:r>
+            <a:r>
+              <a:rPr lang="en-US" sz="3600" b="1" dirty="0">
+                <a:solidFill>
+                  <a:srgbClr val="000066"/>
+                </a:solidFill>
                 <a:latin typeface="Microsoft JhengHei" panose="020B0604030504040204" pitchFamily="34" charset="-120"/>
                 <a:ea typeface="Microsoft JhengHei" panose="020B0604030504040204" pitchFamily="34" charset="-120"/>
               </a:rPr>
               <a:t> )</a:t>
             </a:r>
-            <a:endParaRPr lang="vi-VN" sz="4800" b="1" dirty="0">
+            <a:endParaRPr lang="vi-VN" sz="3600" b="1" dirty="0">
               <a:solidFill>
                 <a:srgbClr val="000066"/>
               </a:solidFill>
-              <a:effectLst/>
               <a:ea typeface="Microsoft JhengHei" panose="020B0604030504040204" pitchFamily="34" charset="-120"/>
             </a:endParaRPr>
           </a:p>
@@ -3658,7 +3725,17 @@
                 <a:latin typeface="Microsoft JhengHei" panose="020B0604030504040204" pitchFamily="34" charset="-120"/>
                 <a:ea typeface="Microsoft JhengHei" panose="020B0604030504040204" pitchFamily="34" charset="-120"/>
               </a:rPr>
-              <a:t>生命的一切   完全獻給</a:t>
+              <a:t>生命的一切   完全獻</a:t>
+            </a:r>
+            <a:r>
+              <a:rPr lang="zh-TW" altLang="en-US" sz="6400" b="1" dirty="0" smtClean="0">
+                <a:solidFill>
+                  <a:srgbClr val="000066"/>
+                </a:solidFill>
+                <a:latin typeface="Microsoft JhengHei" panose="020B0604030504040204" pitchFamily="34" charset="-120"/>
+                <a:ea typeface="Microsoft JhengHei" panose="020B0604030504040204" pitchFamily="34" charset="-120"/>
+              </a:rPr>
+              <a:t>給</a:t>
             </a:r>
             <a:r>
               <a:rPr lang="zh-CN" altLang="en-US" sz="6400" b="1" dirty="0">
@@ -3668,7 +3745,7 @@
                 <a:latin typeface="Microsoft JhengHei" panose="020B0604030504040204" pitchFamily="34" charset="-120"/>
                 <a:ea typeface="Microsoft JhengHei" panose="020B0604030504040204" pitchFamily="34" charset="-120"/>
               </a:rPr>
-              <a:t>袮</a:t>
+              <a:t>祢</a:t>
             </a:r>
             <a:endParaRPr lang="en-US" altLang="zh-TW" sz="6400" b="1" dirty="0">
               <a:solidFill>
@@ -3689,7 +3766,7 @@
         <p:spPr>
           <a:xfrm>
             <a:off x="0" y="5061182"/>
-            <a:ext cx="12192000" cy="830997"/>
+            <a:ext cx="12192000" cy="646331"/>
           </a:xfrm>
           <a:prstGeom prst="rect">
             <a:avLst/>
@@ -3704,43 +3781,40 @@
           <a:p>
             <a:pPr algn="ctr"/>
             <a:r>
-              <a:rPr lang="en-US" sz="4800" b="1" dirty="0">
-                <a:solidFill>
-                  <a:srgbClr val="000066"/>
-                </a:solidFill>
-                <a:effectLst/>
+              <a:rPr lang="en-US" sz="3600" b="1" dirty="0">
+                <a:solidFill>
+                  <a:srgbClr val="000066"/>
+                </a:solidFill>
                 <a:latin typeface="Microsoft JhengHei" panose="020B0604030504040204" pitchFamily="34" charset="-120"/>
                 <a:ea typeface="Microsoft JhengHei" panose="020B0604030504040204" pitchFamily="34" charset="-120"/>
               </a:rPr>
               <a:t>( </a:t>
             </a:r>
             <a:r>
-              <a:rPr lang="zh-CN" altLang="en-US" sz="4800" b="1" dirty="0">
-                <a:solidFill>
-                  <a:srgbClr val="000066"/>
-                </a:solidFill>
-                <a:effectLst/>
-                <a:latin typeface="Microsoft JhengHei" panose="020B0604030504040204" pitchFamily="34" charset="-120"/>
-                <a:ea typeface="Microsoft JhengHei" panose="020B0604030504040204" pitchFamily="34" charset="-120"/>
-              </a:rPr>
-              <a:t>副</a:t>
-            </a:r>
-            <a:r>
-              <a:rPr lang="en-US" sz="4800" b="1" dirty="0">
-                <a:solidFill>
-                  <a:srgbClr val="000066"/>
-                </a:solidFill>
-                <a:effectLst/>
-                <a:latin typeface="Microsoft JhengHei" panose="020B0604030504040204" pitchFamily="34" charset="-120"/>
-                <a:ea typeface="Microsoft JhengHei" panose="020B0604030504040204" pitchFamily="34" charset="-120"/>
-              </a:rPr>
-              <a:t> )</a:t>
-            </a:r>
-            <a:endParaRPr lang="vi-VN" sz="4800" b="1" dirty="0">
+              <a:rPr lang="zh-CN" altLang="en-US" sz="3600" b="1" dirty="0">
+                <a:solidFill>
+                  <a:srgbClr val="000066"/>
+                </a:solidFill>
+                <a:latin typeface="Microsoft JhengHei" panose="020B0604030504040204" pitchFamily="34" charset="-120"/>
+                <a:ea typeface="Microsoft JhengHei" panose="020B0604030504040204" pitchFamily="34" charset="-120"/>
+              </a:rPr>
+              <a:t>副歌 </a:t>
+            </a:r>
+            <a:r>
+              <a:rPr lang="en-US" sz="3600" b="1" dirty="0">
+                <a:solidFill>
+                  <a:srgbClr val="000066"/>
+                </a:solidFill>
+                <a:latin typeface="Microsoft JhengHei" panose="020B0604030504040204" pitchFamily="34" charset="-120"/>
+                <a:ea typeface="Microsoft JhengHei" panose="020B0604030504040204" pitchFamily="34" charset="-120"/>
+              </a:rPr>
+              <a:t>)</a:t>
+            </a:r>
+            <a:endParaRPr lang="vi-VN" sz="3600" b="1" dirty="0">
               <a:solidFill>
                 <a:srgbClr val="000066"/>
               </a:solidFill>
-              <a:effectLst/>
+              <a:latin typeface="Microsoft JhengHei" panose="020B0604030504040204" pitchFamily="34" charset="-120"/>
               <a:ea typeface="Microsoft JhengHei" panose="020B0604030504040204" pitchFamily="34" charset="-120"/>
             </a:endParaRPr>
           </a:p>
@@ -3831,17 +3905,37 @@
                 <a:latin typeface="Microsoft JhengHei" panose="020B0604030504040204" pitchFamily="34" charset="-120"/>
                 <a:ea typeface="Microsoft JhengHei" panose="020B0604030504040204" pitchFamily="34" charset="-120"/>
               </a:rPr>
-              <a:t>能夠獻給</a:t>
-            </a:r>
-            <a:r>
-              <a:rPr lang="zh-CN" altLang="en-US" sz="6400" b="1" dirty="0">
-                <a:solidFill>
-                  <a:srgbClr val="000066"/>
-                </a:solidFill>
-                <a:latin typeface="Microsoft JhengHei" panose="020B0604030504040204" pitchFamily="34" charset="-120"/>
-                <a:ea typeface="Microsoft JhengHei" panose="020B0604030504040204" pitchFamily="34" charset="-120"/>
-              </a:rPr>
-              <a:t>袮   </a:t>
+              <a:t>能夠獻</a:t>
+            </a:r>
+            <a:r>
+              <a:rPr lang="zh-TW" altLang="en-US" sz="6400" b="1" dirty="0" smtClean="0">
+                <a:solidFill>
+                  <a:srgbClr val="000066"/>
+                </a:solidFill>
+                <a:latin typeface="Microsoft JhengHei" panose="020B0604030504040204" pitchFamily="34" charset="-120"/>
+                <a:ea typeface="Microsoft JhengHei" panose="020B0604030504040204" pitchFamily="34" charset="-120"/>
+              </a:rPr>
+              <a:t>給</a:t>
+            </a:r>
+            <a:r>
+              <a:rPr lang="zh-CN" altLang="en-US" sz="6400" b="1" dirty="0" smtClean="0">
+                <a:solidFill>
+                  <a:srgbClr val="000066"/>
+                </a:solidFill>
+                <a:latin typeface="Microsoft JhengHei" panose="020B0604030504040204" pitchFamily="34" charset="-120"/>
+                <a:ea typeface="Microsoft JhengHei" panose="020B0604030504040204" pitchFamily="34" charset="-120"/>
+              </a:rPr>
+              <a:t>祢  </a:t>
+            </a:r>
+            <a:r>
+              <a:rPr lang="zh-TW" altLang="en-US" sz="6400" b="1" dirty="0" smtClean="0">
+                <a:solidFill>
+                  <a:srgbClr val="000066"/>
+                </a:solidFill>
+                <a:latin typeface="Microsoft JhengHei" panose="020B0604030504040204" pitchFamily="34" charset="-120"/>
+                <a:ea typeface="Microsoft JhengHei" panose="020B0604030504040204" pitchFamily="34" charset="-120"/>
+              </a:rPr>
+              <a:t>唯</a:t>
             </a:r>
             <a:r>
               <a:rPr lang="zh-TW" altLang="en-US" sz="6400" b="1" dirty="0">
@@ -3851,7 +3945,7 @@
                 <a:latin typeface="Microsoft JhengHei" panose="020B0604030504040204" pitchFamily="34" charset="-120"/>
                 <a:ea typeface="Microsoft JhengHei" panose="020B0604030504040204" pitchFamily="34" charset="-120"/>
               </a:rPr>
-              <a:t>唯有我的心</a:t>
+              <a:t>有我的心</a:t>
             </a:r>
             <a:endParaRPr lang="vi-VN" sz="6400" b="1" dirty="0">
               <a:solidFill>
@@ -3872,7 +3966,7 @@
         <p:spPr>
           <a:xfrm>
             <a:off x="0" y="5061182"/>
-            <a:ext cx="12192000" cy="830997"/>
+            <a:ext cx="12192000" cy="646331"/>
           </a:xfrm>
           <a:prstGeom prst="rect">
             <a:avLst/>
@@ -3887,43 +3981,40 @@
           <a:p>
             <a:pPr algn="ctr"/>
             <a:r>
-              <a:rPr lang="en-US" sz="4800" b="1" dirty="0">
-                <a:solidFill>
-                  <a:srgbClr val="000066"/>
-                </a:solidFill>
-                <a:effectLst/>
+              <a:rPr lang="en-US" sz="3600" b="1" dirty="0">
+                <a:solidFill>
+                  <a:srgbClr val="000066"/>
+                </a:solidFill>
                 <a:latin typeface="Microsoft JhengHei" panose="020B0604030504040204" pitchFamily="34" charset="-120"/>
                 <a:ea typeface="Microsoft JhengHei" panose="020B0604030504040204" pitchFamily="34" charset="-120"/>
               </a:rPr>
               <a:t>( </a:t>
             </a:r>
             <a:r>
-              <a:rPr lang="zh-CN" altLang="en-US" sz="4800" b="1" dirty="0">
-                <a:solidFill>
-                  <a:srgbClr val="000066"/>
-                </a:solidFill>
-                <a:effectLst/>
-                <a:latin typeface="Microsoft JhengHei" panose="020B0604030504040204" pitchFamily="34" charset="-120"/>
-                <a:ea typeface="Microsoft JhengHei" panose="020B0604030504040204" pitchFamily="34" charset="-120"/>
-              </a:rPr>
-              <a:t>副</a:t>
-            </a:r>
-            <a:r>
-              <a:rPr lang="en-US" sz="4800" b="1" dirty="0">
-                <a:solidFill>
-                  <a:srgbClr val="000066"/>
-                </a:solidFill>
-                <a:effectLst/>
-                <a:latin typeface="Microsoft JhengHei" panose="020B0604030504040204" pitchFamily="34" charset="-120"/>
-                <a:ea typeface="Microsoft JhengHei" panose="020B0604030504040204" pitchFamily="34" charset="-120"/>
-              </a:rPr>
-              <a:t> )</a:t>
-            </a:r>
-            <a:endParaRPr lang="vi-VN" sz="4800" b="1" dirty="0">
+              <a:rPr lang="zh-CN" altLang="en-US" sz="3600" b="1" dirty="0" smtClean="0">
+                <a:solidFill>
+                  <a:srgbClr val="000066"/>
+                </a:solidFill>
+                <a:latin typeface="Microsoft JhengHei" panose="020B0604030504040204" pitchFamily="34" charset="-120"/>
+                <a:ea typeface="Microsoft JhengHei" panose="020B0604030504040204" pitchFamily="34" charset="-120"/>
+              </a:rPr>
+              <a:t>副歌 </a:t>
+            </a:r>
+            <a:r>
+              <a:rPr lang="en-US" sz="3600" b="1" dirty="0" smtClean="0">
+                <a:solidFill>
+                  <a:srgbClr val="000066"/>
+                </a:solidFill>
+                <a:latin typeface="Microsoft JhengHei" panose="020B0604030504040204" pitchFamily="34" charset="-120"/>
+                <a:ea typeface="Microsoft JhengHei" panose="020B0604030504040204" pitchFamily="34" charset="-120"/>
+              </a:rPr>
+              <a:t>)</a:t>
+            </a:r>
+            <a:endParaRPr lang="vi-VN" sz="3600" b="1" dirty="0">
               <a:solidFill>
                 <a:srgbClr val="000066"/>
               </a:solidFill>
-              <a:effectLst/>
+              <a:latin typeface="Microsoft JhengHei" panose="020B0604030504040204" pitchFamily="34" charset="-120"/>
               <a:ea typeface="Microsoft JhengHei" panose="020B0604030504040204" pitchFamily="34" charset="-120"/>
             </a:endParaRPr>
           </a:p>
@@ -4007,6 +4098,36 @@
               <a:buNone/>
             </a:pPr>
             <a:r>
+              <a:rPr lang="zh-TW" altLang="en-US" sz="6400" b="1" dirty="0" smtClean="0">
+                <a:solidFill>
+                  <a:srgbClr val="000066"/>
+                </a:solidFill>
+                <a:latin typeface="Microsoft JhengHei" panose="020B0604030504040204" pitchFamily="34" charset="-120"/>
+                <a:ea typeface="Microsoft JhengHei" panose="020B0604030504040204" pitchFamily="34" charset="-120"/>
+              </a:rPr>
+              <a:t>是</a:t>
+            </a:r>
+            <a:r>
+              <a:rPr lang="zh-CN" altLang="en-US" sz="6400" b="1" dirty="0">
+                <a:solidFill>
+                  <a:srgbClr val="000066"/>
+                </a:solidFill>
+                <a:latin typeface="Microsoft JhengHei" panose="020B0604030504040204" pitchFamily="34" charset="-120"/>
+                <a:ea typeface="Microsoft JhengHei" panose="020B0604030504040204" pitchFamily="34" charset="-120"/>
+              </a:rPr>
+              <a:t>祢</a:t>
+            </a:r>
+            <a:r>
+              <a:rPr lang="zh-TW" altLang="en-US" sz="6400" b="1" dirty="0" smtClean="0">
+                <a:solidFill>
+                  <a:srgbClr val="000066"/>
+                </a:solidFill>
+                <a:latin typeface="Microsoft JhengHei" panose="020B0604030504040204" pitchFamily="34" charset="-120"/>
+                <a:ea typeface="Microsoft JhengHei" panose="020B0604030504040204" pitchFamily="34" charset="-120"/>
+              </a:rPr>
+              <a:t>能</a:t>
+            </a:r>
+            <a:r>
               <a:rPr lang="zh-TW" altLang="en-US" sz="6400" b="1" dirty="0">
                 <a:solidFill>
                   <a:srgbClr val="000066"/>
@@ -4014,27 +4135,7 @@
                 <a:latin typeface="Microsoft JhengHei" panose="020B0604030504040204" pitchFamily="34" charset="-120"/>
                 <a:ea typeface="Microsoft JhengHei" panose="020B0604030504040204" pitchFamily="34" charset="-120"/>
               </a:rPr>
-              <a:t>是</a:t>
-            </a:r>
-            <a:r>
-              <a:rPr lang="zh-CN" altLang="en-US" sz="6400" b="1" dirty="0">
-                <a:solidFill>
-                  <a:srgbClr val="000066"/>
-                </a:solidFill>
-                <a:latin typeface="Microsoft JhengHei" panose="020B0604030504040204" pitchFamily="34" charset="-120"/>
-                <a:ea typeface="Microsoft JhengHei" panose="020B0604030504040204" pitchFamily="34" charset="-120"/>
-              </a:rPr>
-              <a:t>袮</a:t>
-            </a:r>
-            <a:r>
-              <a:rPr lang="zh-TW" altLang="en-US" sz="6400" b="1" dirty="0">
-                <a:solidFill>
-                  <a:srgbClr val="000066"/>
-                </a:solidFill>
-                <a:latin typeface="Microsoft JhengHei" panose="020B0604030504040204" pitchFamily="34" charset="-120"/>
-                <a:ea typeface="Microsoft JhengHei" panose="020B0604030504040204" pitchFamily="34" charset="-120"/>
-              </a:rPr>
-              <a:t>能悅納我   獻上的全所有</a:t>
+              <a:t>悅納我   獻上的全所有</a:t>
             </a:r>
             <a:endParaRPr lang="vi-VN" sz="6400" b="1" dirty="0">
               <a:solidFill>
@@ -4055,7 +4156,7 @@
         <p:spPr>
           <a:xfrm>
             <a:off x="0" y="5061182"/>
-            <a:ext cx="12192000" cy="830997"/>
+            <a:ext cx="12192000" cy="646331"/>
           </a:xfrm>
           <a:prstGeom prst="rect">
             <a:avLst/>
@@ -4070,43 +4171,40 @@
           <a:p>
             <a:pPr algn="ctr"/>
             <a:r>
-              <a:rPr lang="en-US" sz="4800" b="1" dirty="0">
-                <a:solidFill>
-                  <a:srgbClr val="000066"/>
-                </a:solidFill>
-                <a:effectLst/>
+              <a:rPr lang="en-US" sz="3600" b="1" dirty="0">
+                <a:solidFill>
+                  <a:srgbClr val="000066"/>
+                </a:solidFill>
                 <a:latin typeface="Microsoft JhengHei" panose="020B0604030504040204" pitchFamily="34" charset="-120"/>
                 <a:ea typeface="Microsoft JhengHei" panose="020B0604030504040204" pitchFamily="34" charset="-120"/>
               </a:rPr>
               <a:t>( </a:t>
             </a:r>
             <a:r>
-              <a:rPr lang="zh-CN" altLang="en-US" sz="4800" b="1" dirty="0">
-                <a:solidFill>
-                  <a:srgbClr val="000066"/>
-                </a:solidFill>
-                <a:effectLst/>
-                <a:latin typeface="Microsoft JhengHei" panose="020B0604030504040204" pitchFamily="34" charset="-120"/>
-                <a:ea typeface="Microsoft JhengHei" panose="020B0604030504040204" pitchFamily="34" charset="-120"/>
-              </a:rPr>
-              <a:t>副</a:t>
-            </a:r>
-            <a:r>
-              <a:rPr lang="en-US" sz="4800" b="1" dirty="0">
-                <a:solidFill>
-                  <a:srgbClr val="000066"/>
-                </a:solidFill>
-                <a:effectLst/>
-                <a:latin typeface="Microsoft JhengHei" panose="020B0604030504040204" pitchFamily="34" charset="-120"/>
-                <a:ea typeface="Microsoft JhengHei" panose="020B0604030504040204" pitchFamily="34" charset="-120"/>
-              </a:rPr>
-              <a:t> )</a:t>
-            </a:r>
-            <a:endParaRPr lang="vi-VN" sz="4800" b="1" dirty="0">
+              <a:rPr lang="zh-CN" altLang="en-US" sz="3600" b="1" dirty="0">
+                <a:solidFill>
+                  <a:srgbClr val="000066"/>
+                </a:solidFill>
+                <a:latin typeface="Microsoft JhengHei" panose="020B0604030504040204" pitchFamily="34" charset="-120"/>
+                <a:ea typeface="Microsoft JhengHei" panose="020B0604030504040204" pitchFamily="34" charset="-120"/>
+              </a:rPr>
+              <a:t>副歌 </a:t>
+            </a:r>
+            <a:r>
+              <a:rPr lang="en-US" sz="3600" b="1" dirty="0">
+                <a:solidFill>
+                  <a:srgbClr val="000066"/>
+                </a:solidFill>
+                <a:latin typeface="Microsoft JhengHei" panose="020B0604030504040204" pitchFamily="34" charset="-120"/>
+                <a:ea typeface="Microsoft JhengHei" panose="020B0604030504040204" pitchFamily="34" charset="-120"/>
+              </a:rPr>
+              <a:t>)</a:t>
+            </a:r>
+            <a:endParaRPr lang="vi-VN" sz="3600" b="1" dirty="0">
               <a:solidFill>
                 <a:srgbClr val="000066"/>
               </a:solidFill>
-              <a:effectLst/>
+              <a:latin typeface="Microsoft JhengHei" panose="020B0604030504040204" pitchFamily="34" charset="-120"/>
               <a:ea typeface="Microsoft JhengHei" panose="020B0604030504040204" pitchFamily="34" charset="-120"/>
             </a:endParaRPr>
           </a:p>
@@ -4175,7 +4273,17 @@
                 <a:latin typeface="Microsoft JhengHei" panose="020B0604030504040204" pitchFamily="34" charset="-120"/>
                 <a:ea typeface="Microsoft JhengHei" panose="020B0604030504040204" pitchFamily="34" charset="-120"/>
               </a:rPr>
-              <a:t>願我這一生   成為</a:t>
+              <a:t>願我這一生   成</a:t>
+            </a:r>
+            <a:r>
+              <a:rPr lang="zh-TW" altLang="en-US" sz="6400" b="1" dirty="0" smtClean="0">
+                <a:solidFill>
+                  <a:srgbClr val="000066"/>
+                </a:solidFill>
+                <a:latin typeface="Microsoft JhengHei" panose="020B0604030504040204" pitchFamily="34" charset="-120"/>
+                <a:ea typeface="Microsoft JhengHei" panose="020B0604030504040204" pitchFamily="34" charset="-120"/>
+              </a:rPr>
+              <a:t>為</a:t>
             </a:r>
             <a:r>
               <a:rPr lang="zh-CN" altLang="en-US" sz="6400" b="1" dirty="0">
@@ -4185,7 +4293,17 @@
                 <a:latin typeface="Microsoft JhengHei" panose="020B0604030504040204" pitchFamily="34" charset="-120"/>
                 <a:ea typeface="Microsoft JhengHei" panose="020B0604030504040204" pitchFamily="34" charset="-120"/>
               </a:rPr>
-              <a:t>袮</a:t>
+              <a:t>祢</a:t>
+            </a:r>
+            <a:r>
+              <a:rPr lang="zh-TW" altLang="en-US" sz="6400" b="1" dirty="0" smtClean="0">
+                <a:solidFill>
+                  <a:srgbClr val="000066"/>
+                </a:solidFill>
+                <a:latin typeface="Microsoft JhengHei" panose="020B0604030504040204" pitchFamily="34" charset="-120"/>
+                <a:ea typeface="Microsoft JhengHei" panose="020B0604030504040204" pitchFamily="34" charset="-120"/>
+              </a:rPr>
+              <a:t>器</a:t>
             </a:r>
             <a:r>
               <a:rPr lang="zh-TW" altLang="en-US" sz="6400" b="1" dirty="0">
@@ -4195,7 +4313,7 @@
                 <a:latin typeface="Microsoft JhengHei" panose="020B0604030504040204" pitchFamily="34" charset="-120"/>
                 <a:ea typeface="Microsoft JhengHei" panose="020B0604030504040204" pitchFamily="34" charset="-120"/>
               </a:rPr>
-              <a:t>器皿</a:t>
+              <a:t>皿</a:t>
             </a:r>
             <a:endParaRPr lang="en-US" altLang="zh-TW" sz="6400" b="1" dirty="0">
               <a:solidFill>
@@ -4217,7 +4335,17 @@
                 <a:latin typeface="Microsoft JhengHei" panose="020B0604030504040204" pitchFamily="34" charset="-120"/>
                 <a:ea typeface="Microsoft JhengHei" panose="020B0604030504040204" pitchFamily="34" charset="-120"/>
               </a:rPr>
-              <a:t>來完成</a:t>
+              <a:t>來完</a:t>
+            </a:r>
+            <a:r>
+              <a:rPr lang="zh-TW" altLang="en-US" sz="6400" b="1" dirty="0" smtClean="0">
+                <a:solidFill>
+                  <a:srgbClr val="000066"/>
+                </a:solidFill>
+                <a:latin typeface="Microsoft JhengHei" panose="020B0604030504040204" pitchFamily="34" charset="-120"/>
+                <a:ea typeface="Microsoft JhengHei" panose="020B0604030504040204" pitchFamily="34" charset="-120"/>
+              </a:rPr>
+              <a:t>成</a:t>
             </a:r>
             <a:r>
               <a:rPr lang="zh-CN" altLang="en-US" sz="6400" b="1" dirty="0">
@@ -4227,7 +4355,17 @@
                 <a:latin typeface="Microsoft JhengHei" panose="020B0604030504040204" pitchFamily="34" charset="-120"/>
                 <a:ea typeface="Microsoft JhengHei" panose="020B0604030504040204" pitchFamily="34" charset="-120"/>
               </a:rPr>
-              <a:t>袮</a:t>
+              <a:t>祢</a:t>
+            </a:r>
+            <a:r>
+              <a:rPr lang="zh-TW" altLang="en-US" sz="6400" b="1" dirty="0" smtClean="0">
+                <a:solidFill>
+                  <a:srgbClr val="000066"/>
+                </a:solidFill>
+                <a:latin typeface="Microsoft JhengHei" panose="020B0604030504040204" pitchFamily="34" charset="-120"/>
+                <a:ea typeface="Microsoft JhengHei" panose="020B0604030504040204" pitchFamily="34" charset="-120"/>
+              </a:rPr>
+              <a:t>旨</a:t>
             </a:r>
             <a:r>
               <a:rPr lang="zh-TW" altLang="en-US" sz="6400" b="1" dirty="0">
@@ -4237,7 +4375,7 @@
                 <a:latin typeface="Microsoft JhengHei" panose="020B0604030504040204" pitchFamily="34" charset="-120"/>
                 <a:ea typeface="Microsoft JhengHei" panose="020B0604030504040204" pitchFamily="34" charset="-120"/>
               </a:rPr>
-              <a:t>旨意</a:t>
+              <a:t>意</a:t>
             </a:r>
             <a:endParaRPr lang="vi-VN" sz="6400" b="1" dirty="0">
               <a:solidFill>
@@ -4258,7 +4396,7 @@
         <p:spPr>
           <a:xfrm>
             <a:off x="0" y="5061182"/>
-            <a:ext cx="12192000" cy="830997"/>
+            <a:ext cx="12192000" cy="646331"/>
           </a:xfrm>
           <a:prstGeom prst="rect">
             <a:avLst/>
@@ -4273,43 +4411,40 @@
           <a:p>
             <a:pPr algn="ctr"/>
             <a:r>
-              <a:rPr lang="en-US" sz="4800" b="1" dirty="0">
-                <a:solidFill>
-                  <a:srgbClr val="000066"/>
-                </a:solidFill>
-                <a:effectLst/>
+              <a:rPr lang="en-US" sz="3600" b="1" dirty="0">
+                <a:solidFill>
+                  <a:srgbClr val="000066"/>
+                </a:solidFill>
                 <a:latin typeface="Microsoft JhengHei" panose="020B0604030504040204" pitchFamily="34" charset="-120"/>
                 <a:ea typeface="Microsoft JhengHei" panose="020B0604030504040204" pitchFamily="34" charset="-120"/>
               </a:rPr>
               <a:t>( </a:t>
             </a:r>
             <a:r>
-              <a:rPr lang="zh-CN" altLang="en-US" sz="4800" b="1" dirty="0">
-                <a:solidFill>
-                  <a:srgbClr val="000066"/>
-                </a:solidFill>
-                <a:effectLst/>
-                <a:latin typeface="Microsoft JhengHei" panose="020B0604030504040204" pitchFamily="34" charset="-120"/>
-                <a:ea typeface="Microsoft JhengHei" panose="020B0604030504040204" pitchFamily="34" charset="-120"/>
-              </a:rPr>
-              <a:t>副</a:t>
-            </a:r>
-            <a:r>
-              <a:rPr lang="en-US" sz="4800" b="1" dirty="0">
-                <a:solidFill>
-                  <a:srgbClr val="000066"/>
-                </a:solidFill>
-                <a:effectLst/>
-                <a:latin typeface="Microsoft JhengHei" panose="020B0604030504040204" pitchFamily="34" charset="-120"/>
-                <a:ea typeface="Microsoft JhengHei" panose="020B0604030504040204" pitchFamily="34" charset="-120"/>
-              </a:rPr>
-              <a:t> )</a:t>
-            </a:r>
-            <a:endParaRPr lang="vi-VN" sz="4800" b="1" dirty="0">
+              <a:rPr lang="zh-CN" altLang="en-US" sz="3600" b="1" dirty="0">
+                <a:solidFill>
+                  <a:srgbClr val="000066"/>
+                </a:solidFill>
+                <a:latin typeface="Microsoft JhengHei" panose="020B0604030504040204" pitchFamily="34" charset="-120"/>
+                <a:ea typeface="Microsoft JhengHei" panose="020B0604030504040204" pitchFamily="34" charset="-120"/>
+              </a:rPr>
+              <a:t>副歌 </a:t>
+            </a:r>
+            <a:r>
+              <a:rPr lang="en-US" sz="3600" b="1" dirty="0">
+                <a:solidFill>
+                  <a:srgbClr val="000066"/>
+                </a:solidFill>
+                <a:latin typeface="Microsoft JhengHei" panose="020B0604030504040204" pitchFamily="34" charset="-120"/>
+                <a:ea typeface="Microsoft JhengHei" panose="020B0604030504040204" pitchFamily="34" charset="-120"/>
+              </a:rPr>
+              <a:t>)</a:t>
+            </a:r>
+            <a:endParaRPr lang="vi-VN" sz="3600" b="1" dirty="0">
               <a:solidFill>
                 <a:srgbClr val="000066"/>
               </a:solidFill>
-              <a:effectLst/>
+              <a:latin typeface="Microsoft JhengHei" panose="020B0604030504040204" pitchFamily="34" charset="-120"/>
               <a:ea typeface="Microsoft JhengHei" panose="020B0604030504040204" pitchFamily="34" charset="-120"/>
             </a:endParaRPr>
           </a:p>
